--- a/Rweek09.pptx
+++ b/Rweek09.pptx
@@ -5,7 +5,7 @@
     <p:sldMasterId id="2147483648" r:id="rId1"/>
   </p:sldMasterIdLst>
   <p:notesMasterIdLst>
-    <p:notesMasterId r:id="rId61"/>
+    <p:notesMasterId r:id="rId58"/>
   </p:notesMasterIdLst>
   <p:sldIdLst>
     <p:sldId id="256" r:id="rId2"/>
@@ -60,13 +60,10 @@
     <p:sldId id="300" r:id="rId51"/>
     <p:sldId id="301" r:id="rId52"/>
     <p:sldId id="302" r:id="rId53"/>
-    <p:sldId id="303" r:id="rId54"/>
-    <p:sldId id="304" r:id="rId55"/>
-    <p:sldId id="305" r:id="rId56"/>
-    <p:sldId id="306" r:id="rId57"/>
-    <p:sldId id="307" r:id="rId58"/>
-    <p:sldId id="281" r:id="rId59"/>
-    <p:sldId id="284" r:id="rId60"/>
+    <p:sldId id="344" r:id="rId54"/>
+    <p:sldId id="307" r:id="rId55"/>
+    <p:sldId id="281" r:id="rId56"/>
+    <p:sldId id="284" r:id="rId57"/>
   </p:sldIdLst>
   <p:sldSz cx="9144000" cy="5143500" type="screen16x9"/>
   <p:notesSz cx="6858000" cy="9144000"/>
@@ -165,6 +162,22 @@
       </a:defRPr>
     </a:lvl9pPr>
   </p:defaultTextStyle>
+  <p:extLst>
+    <p:ext uri="{EFAFB233-063F-42B5-8137-9DF3F51BA10A}">
+      <p15:sldGuideLst xmlns:p15="http://schemas.microsoft.com/office/powerpoint/2012/main">
+        <p15:guide id="1" orient="horz" pos="1620">
+          <p15:clr>
+            <a:srgbClr val="A4A3A4"/>
+          </p15:clr>
+        </p15:guide>
+        <p15:guide id="2" pos="2880">
+          <p15:clr>
+            <a:srgbClr val="A4A3A4"/>
+          </p15:clr>
+        </p15:guide>
+      </p15:sldGuideLst>
+    </p:ext>
+  </p:extLst>
 </p:presentation>
 </file>
 
@@ -250,7 +263,7 @@
           <a:p>
             <a:fld id="{5A5B0C7A-BE91-40C4-8DCB-F926C2BE91F0}" type="datetimeFigureOut">
               <a:rPr lang="ko-KR" altLang="en-US" smtClean="0"/>
-              <a:t>2017-05-10</a:t>
+              <a:t>2017. 5. 10.</a:t>
             </a:fld>
             <a:endParaRPr lang="ko-KR" altLang="en-US"/>
           </a:p>
@@ -611,6 +624,11 @@
         </p:txBody>
       </p:sp>
     </p:spTree>
+    <p:extLst>
+      <p:ext uri="{BB962C8B-B14F-4D97-AF65-F5344CB8AC3E}">
+        <p14:creationId xmlns:p14="http://schemas.microsoft.com/office/powerpoint/2010/main" val="1524531780"/>
+      </p:ext>
+    </p:extLst>
   </p:cSld>
   <p:clrMapOvr>
     <a:masterClrMapping/>
@@ -884,7 +902,7 @@
           <a:lstStyle/>
           <a:p>
             <a:fld id="{A65958ED-12ED-1142-8369-DADF60CDC5D9}" type="datetimeFigureOut">
-              <a:t>2017-05-10</a:t>
+              <a:t>5/10/17</a:t>
             </a:fld>
             <a:endParaRPr lang="en-US"/>
           </a:p>
@@ -1050,7 +1068,7 @@
           <a:lstStyle/>
           <a:p>
             <a:fld id="{A65958ED-12ED-1142-8369-DADF60CDC5D9}" type="datetimeFigureOut">
-              <a:t>2017-05-10</a:t>
+              <a:t>5/10/17</a:t>
             </a:fld>
             <a:endParaRPr lang="en-US"/>
           </a:p>
@@ -1226,7 +1244,7 @@
           <a:lstStyle/>
           <a:p>
             <a:fld id="{A65958ED-12ED-1142-8369-DADF60CDC5D9}" type="datetimeFigureOut">
-              <a:t>2017-05-10</a:t>
+              <a:t>5/10/17</a:t>
             </a:fld>
             <a:endParaRPr lang="en-US"/>
           </a:p>
@@ -1392,7 +1410,7 @@
           <a:lstStyle/>
           <a:p>
             <a:fld id="{A65958ED-12ED-1142-8369-DADF60CDC5D9}" type="datetimeFigureOut">
-              <a:t>2017-05-10</a:t>
+              <a:t>5/10/17</a:t>
             </a:fld>
             <a:endParaRPr lang="en-US"/>
           </a:p>
@@ -1635,7 +1653,7 @@
           <a:lstStyle/>
           <a:p>
             <a:fld id="{A65958ED-12ED-1142-8369-DADF60CDC5D9}" type="datetimeFigureOut">
-              <a:t>2017-05-10</a:t>
+              <a:t>5/10/17</a:t>
             </a:fld>
             <a:endParaRPr lang="en-US"/>
           </a:p>
@@ -1918,7 +1936,7 @@
           <a:lstStyle/>
           <a:p>
             <a:fld id="{A65958ED-12ED-1142-8369-DADF60CDC5D9}" type="datetimeFigureOut">
-              <a:t>2017-05-10</a:t>
+              <a:t>5/10/17</a:t>
             </a:fld>
             <a:endParaRPr lang="en-US"/>
           </a:p>
@@ -2340,7 +2358,7 @@
           <a:lstStyle/>
           <a:p>
             <a:fld id="{A65958ED-12ED-1142-8369-DADF60CDC5D9}" type="datetimeFigureOut">
-              <a:t>2017-05-10</a:t>
+              <a:t>5/10/17</a:t>
             </a:fld>
             <a:endParaRPr lang="en-US"/>
           </a:p>
@@ -2455,7 +2473,7 @@
           <a:lstStyle/>
           <a:p>
             <a:fld id="{A65958ED-12ED-1142-8369-DADF60CDC5D9}" type="datetimeFigureOut">
-              <a:t>2017-05-10</a:t>
+              <a:t>5/10/17</a:t>
             </a:fld>
             <a:endParaRPr lang="en-US"/>
           </a:p>
@@ -2548,7 +2566,7 @@
           <a:lstStyle/>
           <a:p>
             <a:fld id="{A65958ED-12ED-1142-8369-DADF60CDC5D9}" type="datetimeFigureOut">
-              <a:t>2017-05-10</a:t>
+              <a:t>5/10/17</a:t>
             </a:fld>
             <a:endParaRPr lang="en-US"/>
           </a:p>
@@ -2821,7 +2839,7 @@
           <a:lstStyle/>
           <a:p>
             <a:fld id="{A65958ED-12ED-1142-8369-DADF60CDC5D9}" type="datetimeFigureOut">
-              <a:t>2017-05-10</a:t>
+              <a:t>5/10/17</a:t>
             </a:fld>
             <a:endParaRPr lang="en-US"/>
           </a:p>
@@ -3071,7 +3089,7 @@
           <a:lstStyle/>
           <a:p>
             <a:fld id="{A65958ED-12ED-1142-8369-DADF60CDC5D9}" type="datetimeFigureOut">
-              <a:t>2017-05-10</a:t>
+              <a:t>5/10/17</a:t>
             </a:fld>
             <a:endParaRPr lang="en-US"/>
           </a:p>
@@ -3280,7 +3298,7 @@
           </a:lstStyle>
           <a:p>
             <a:fld id="{A65958ED-12ED-1142-8369-DADF60CDC5D9}" type="datetimeFigureOut">
-              <a:t>2017-05-10</a:t>
+              <a:t>5/10/17</a:t>
             </a:fld>
             <a:endParaRPr lang="en-US"/>
           </a:p>
@@ -3672,7 +3690,7 @@
         </p:spPr>
         <p:txBody>
           <a:bodyPr>
-            <a:normAutofit fontScale="90000"/>
+            <a:normAutofit/>
           </a:bodyPr>
           <a:lstStyle/>
           <a:p>
@@ -4582,7 +4600,7 @@
         <p:spPr/>
         <p:txBody>
           <a:bodyPr>
-            <a:normAutofit fontScale="92500"/>
+            <a:normAutofit/>
           </a:bodyPr>
           <a:lstStyle/>
           <a:p>
@@ -4686,7 +4704,7 @@
         <p:spPr/>
         <p:txBody>
           <a:bodyPr>
-            <a:normAutofit fontScale="92500"/>
+            <a:normAutofit lnSpcReduction="10000"/>
           </a:bodyPr>
           <a:lstStyle/>
           <a:p>
@@ -4965,7 +4983,7 @@
         <p:spPr/>
         <p:txBody>
           <a:bodyPr>
-            <a:normAutofit fontScale="92500" lnSpcReduction="20000"/>
+            <a:normAutofit fontScale="92500" lnSpcReduction="10000"/>
           </a:bodyPr>
           <a:lstStyle/>
           <a:p>
@@ -5060,7 +5078,7 @@
         <p:spPr/>
         <p:txBody>
           <a:bodyPr>
-            <a:normAutofit fontScale="85000" lnSpcReduction="10000"/>
+            <a:normAutofit fontScale="92500" lnSpcReduction="10000"/>
           </a:bodyPr>
           <a:lstStyle/>
           <a:p>
@@ -5209,7 +5227,6 @@
               <a:rPr lang="en-US" altLang="ko-KR" dirty="0" smtClean="0"/>
               <a:t> (10 min)</a:t>
             </a:r>
-            <a:endParaRPr lang="en-US" altLang="ko-KR" dirty="0" smtClean="0"/>
           </a:p>
           <a:p>
             <a:r>
@@ -5220,7 +5237,6 @@
               <a:rPr lang="en-US" altLang="ko-KR" dirty="0" smtClean="0"/>
               <a:t> (10 min)</a:t>
             </a:r>
-            <a:endParaRPr lang="en-US" altLang="ko-KR" dirty="0" smtClean="0"/>
           </a:p>
           <a:p>
             <a:r>
@@ -5304,7 +5320,7 @@
         <p:spPr/>
         <p:txBody>
           <a:bodyPr>
-            <a:normAutofit fontScale="92500"/>
+            <a:normAutofit/>
           </a:bodyPr>
           <a:lstStyle/>
           <a:p>
@@ -5406,7 +5422,7 @@
         </p:spPr>
         <p:txBody>
           <a:bodyPr>
-            <a:normAutofit fontScale="92500"/>
+            <a:normAutofit lnSpcReduction="10000"/>
           </a:bodyPr>
           <a:lstStyle/>
           <a:p>
@@ -7251,7 +7267,7 @@
         <p:spPr/>
         <p:txBody>
           <a:bodyPr>
-            <a:normAutofit fontScale="92500"/>
+            <a:normAutofit lnSpcReduction="10000"/>
           </a:bodyPr>
           <a:lstStyle/>
           <a:p>
@@ -9664,7 +9680,7 @@
         <p:spPr/>
         <p:txBody>
           <a:bodyPr>
-            <a:normAutofit fontScale="92500" lnSpcReduction="20000"/>
+            <a:normAutofit fontScale="92500" lnSpcReduction="10000"/>
           </a:bodyPr>
           <a:lstStyle/>
           <a:p>
@@ -12241,7 +12257,7 @@
         <p:spPr/>
         <p:txBody>
           <a:bodyPr>
-            <a:normAutofit fontScale="77500" lnSpcReduction="20000"/>
+            <a:normAutofit fontScale="85000" lnSpcReduction="10000"/>
           </a:bodyPr>
           <a:lstStyle/>
           <a:p>
@@ -14091,100 +14107,54 @@
       </p:grpSpPr>
       <p:sp>
         <p:nvSpPr>
-          <p:cNvPr id="2" name="Title 1"/>
+          <p:cNvPr id="2" name="제목 1"/>
           <p:cNvSpPr>
             <a:spLocks noGrp="1"/>
           </p:cNvSpPr>
           <p:nvPr>
-            <p:ph type="title"/>
+            <p:ph type="ctrTitle"/>
           </p:nvPr>
         </p:nvSpPr>
         <p:spPr/>
         <p:txBody>
-          <a:bodyPr>
-            <a:normAutofit/>
-          </a:bodyPr>
-          <a:lstStyle/>
-          <a:p>
-            <a:r>
-              <a:rPr lang="en-US"/>
-              <a:t>More Complex Example</a:t>
-            </a:r>
-            <a:endParaRPr lang="en-US" baseline="-25000"/>
-          </a:p>
-        </p:txBody>
-      </p:sp>
-      <p:sp>
-        <p:nvSpPr>
-          <p:cNvPr id="3" name="Content Placeholder 2"/>
+          <a:bodyPr/>
+          <a:lstStyle/>
+          <a:p>
+            <a:r>
+              <a:rPr lang="en-US" altLang="ko-KR" dirty="0" smtClean="0"/>
+              <a:t>Demo: </a:t>
+            </a:r>
+            <a:r>
+              <a:rPr lang="en-US" altLang="ko-KR" dirty="0" smtClean="0"/>
+              <a:t>ggplot2</a:t>
+            </a:r>
+            <a:endParaRPr lang="ko-KR" altLang="en-US" dirty="0"/>
+          </a:p>
+        </p:txBody>
+      </p:sp>
+      <p:sp>
+        <p:nvSpPr>
+          <p:cNvPr id="3" name="부제목 2"/>
           <p:cNvSpPr>
             <a:spLocks noGrp="1"/>
           </p:cNvSpPr>
           <p:nvPr>
-            <p:ph idx="1"/>
+            <p:ph type="subTitle" idx="1"/>
           </p:nvPr>
         </p:nvSpPr>
         <p:spPr/>
         <p:txBody>
-          <a:bodyPr>
-            <a:normAutofit fontScale="92500" lnSpcReduction="10000"/>
-          </a:bodyPr>
-          <a:lstStyle/>
-          <a:p>
-            <a:r>
-              <a:rPr lang="en-US"/>
-              <a:t>How does the relationship between PM</a:t>
-            </a:r>
-            <a:r>
-              <a:rPr lang="en-US" baseline="-25000"/>
-              <a:t>2.5</a:t>
-            </a:r>
-            <a:r>
-              <a:rPr lang="en-US"/>
-              <a:t> and nocturnal symptoms vary by BMI and NO</a:t>
-            </a:r>
-            <a:r>
-              <a:rPr lang="en-US" baseline="-25000"/>
-              <a:t>2</a:t>
-            </a:r>
-            <a:r>
-              <a:rPr lang="en-US"/>
-              <a:t>?</a:t>
-            </a:r>
-          </a:p>
-          <a:p>
-            <a:r>
-              <a:rPr lang="en-US"/>
-              <a:t>Unlike our previous BMI variable, NO</a:t>
-            </a:r>
-            <a:r>
-              <a:rPr lang="en-US" baseline="-25000"/>
-              <a:t>2</a:t>
-            </a:r>
-            <a:r>
-              <a:rPr lang="en-US"/>
-              <a:t> is continuous</a:t>
-            </a:r>
-          </a:p>
-          <a:p>
-            <a:r>
-              <a:rPr lang="en-US"/>
-              <a:t>We need to make NO2 categorical so we can condition on it in the plotting</a:t>
-            </a:r>
-          </a:p>
-          <a:p>
-            <a:pPr lvl="1"/>
-            <a:r>
-              <a:rPr lang="en-US"/>
-              <a:t>Use the cut() function for this</a:t>
-            </a:r>
+          <a:bodyPr/>
+          <a:lstStyle/>
+          <a:p>
+            <a:endParaRPr lang="ko-KR" altLang="en-US"/>
           </a:p>
         </p:txBody>
       </p:sp>
     </p:spTree>
     <p:extLst>
       <p:ext uri="{BB962C8B-B14F-4D97-AF65-F5344CB8AC3E}">
-        <p14:creationId xmlns:p14="http://schemas.microsoft.com/office/powerpoint/2010/main" val="3532919678"/>
+        <p14:creationId xmlns:p14="http://schemas.microsoft.com/office/powerpoint/2010/main" val="947883235"/>
       </p:ext>
     </p:extLst>
   </p:cSld>
@@ -14228,257 +14198,49 @@
           <a:p>
             <a:r>
               <a:rPr lang="en-US"/>
-              <a:t>Making NO</a:t>
-            </a:r>
-            <a:r>
-              <a:rPr lang="en-US" baseline="-25000"/>
-              <a:t>2</a:t>
-            </a:r>
-            <a:r>
-              <a:rPr lang="en-US"/>
-              <a:t> Deciles</a:t>
-            </a:r>
-          </a:p>
-        </p:txBody>
-      </p:sp>
-      <p:sp>
-        <p:nvSpPr>
-          <p:cNvPr id="4" name="TextBox 3"/>
-          <p:cNvSpPr txBox="1"/>
-          <p:nvPr/>
-        </p:nvSpPr>
-        <p:spPr>
-          <a:xfrm>
-            <a:off x="219360" y="1391451"/>
-            <a:ext cx="8669361" cy="2677656"/>
-          </a:xfrm>
-          <a:prstGeom prst="rect">
-            <a:avLst/>
-          </a:prstGeom>
-          <a:noFill/>
-        </p:spPr>
-        <p:txBody>
-          <a:bodyPr wrap="none" rtlCol="0">
-            <a:spAutoFit/>
+              <a:t>Summary</a:t>
+            </a:r>
+          </a:p>
+        </p:txBody>
+      </p:sp>
+      <p:sp>
+        <p:nvSpPr>
+          <p:cNvPr id="3" name="Content Placeholder 2"/>
+          <p:cNvSpPr>
+            <a:spLocks noGrp="1"/>
+          </p:cNvSpPr>
+          <p:nvPr>
+            <p:ph idx="1"/>
+          </p:nvPr>
+        </p:nvSpPr>
+        <p:spPr/>
+        <p:txBody>
+          <a:bodyPr>
+            <a:normAutofit/>
           </a:bodyPr>
           <a:lstStyle/>
           <a:p>
             <a:r>
-              <a:rPr lang="en-US" sz="1400" dirty="0">
-                <a:latin typeface="Courier New" panose="02070309020205020404" pitchFamily="49" charset="0"/>
-                <a:cs typeface="Courier New" panose="02070309020205020404" pitchFamily="49" charset="0"/>
-              </a:rPr>
-              <a:t>## Calculate the deciles of the data</a:t>
-            </a:r>
-          </a:p>
-          <a:p>
-            <a:r>
-              <a:rPr lang="en-US" sz="1400" dirty="0">
-                <a:latin typeface="Courier New" panose="02070309020205020404" pitchFamily="49" charset="0"/>
-                <a:cs typeface="Courier New" panose="02070309020205020404" pitchFamily="49" charset="0"/>
-              </a:rPr>
-              <a:t>&gt; </a:t>
-            </a:r>
-            <a:r>
-              <a:rPr lang="en-US" sz="1400" dirty="0" err="1">
-                <a:latin typeface="Courier New" panose="02070309020205020404" pitchFamily="49" charset="0"/>
-                <a:cs typeface="Courier New" panose="02070309020205020404" pitchFamily="49" charset="0"/>
-              </a:rPr>
-              <a:t>cutpoints</a:t>
-            </a:r>
-            <a:r>
-              <a:rPr lang="en-US" sz="1400" dirty="0">
-                <a:latin typeface="Courier New" panose="02070309020205020404" pitchFamily="49" charset="0"/>
-                <a:cs typeface="Courier New" panose="02070309020205020404" pitchFamily="49" charset="0"/>
-              </a:rPr>
-              <a:t> &lt;- quantile(</a:t>
-            </a:r>
-            <a:r>
-              <a:rPr lang="en-US" sz="1400" dirty="0" err="1">
-                <a:latin typeface="Courier New" panose="02070309020205020404" pitchFamily="49" charset="0"/>
-                <a:cs typeface="Courier New" panose="02070309020205020404" pitchFamily="49" charset="0"/>
-              </a:rPr>
-              <a:t>maacs$logno2_new</a:t>
-            </a:r>
-            <a:r>
-              <a:rPr lang="en-US" sz="1400" dirty="0">
-                <a:latin typeface="Courier New" panose="02070309020205020404" pitchFamily="49" charset="0"/>
-                <a:cs typeface="Courier New" panose="02070309020205020404" pitchFamily="49" charset="0"/>
-              </a:rPr>
-              <a:t>, </a:t>
-            </a:r>
-            <a:r>
-              <a:rPr lang="en-US" sz="1400" dirty="0" err="1">
-                <a:latin typeface="Courier New" panose="02070309020205020404" pitchFamily="49" charset="0"/>
-                <a:cs typeface="Courier New" panose="02070309020205020404" pitchFamily="49" charset="0"/>
-              </a:rPr>
-              <a:t>seq</a:t>
-            </a:r>
-            <a:r>
-              <a:rPr lang="en-US" sz="1400" dirty="0">
-                <a:latin typeface="Courier New" panose="02070309020205020404" pitchFamily="49" charset="0"/>
-                <a:cs typeface="Courier New" panose="02070309020205020404" pitchFamily="49" charset="0"/>
-              </a:rPr>
-              <a:t>(0, 1, length = 11), </a:t>
-            </a:r>
-            <a:r>
-              <a:rPr lang="en-US" sz="1400" dirty="0" err="1">
-                <a:latin typeface="Courier New" panose="02070309020205020404" pitchFamily="49" charset="0"/>
-                <a:cs typeface="Courier New" panose="02070309020205020404" pitchFamily="49" charset="0"/>
-              </a:rPr>
-              <a:t>na.rm</a:t>
-            </a:r>
-            <a:r>
-              <a:rPr lang="en-US" sz="1400" dirty="0">
-                <a:latin typeface="Courier New" panose="02070309020205020404" pitchFamily="49" charset="0"/>
-                <a:cs typeface="Courier New" panose="02070309020205020404" pitchFamily="49" charset="0"/>
-              </a:rPr>
-              <a:t> = TRUE)</a:t>
-            </a:r>
-          </a:p>
-          <a:p>
-            <a:endParaRPr lang="en-US" sz="1400" dirty="0">
-              <a:latin typeface="Courier New" panose="02070309020205020404" pitchFamily="49" charset="0"/>
-              <a:cs typeface="Courier New" panose="02070309020205020404" pitchFamily="49" charset="0"/>
-            </a:endParaRPr>
-          </a:p>
-          <a:p>
-            <a:r>
-              <a:rPr lang="en-US" sz="1400" dirty="0">
-                <a:latin typeface="Courier New" panose="02070309020205020404" pitchFamily="49" charset="0"/>
-                <a:cs typeface="Courier New" panose="02070309020205020404" pitchFamily="49" charset="0"/>
-              </a:rPr>
-              <a:t>## Cut the data at the deciles and create a new factor variable</a:t>
-            </a:r>
-          </a:p>
-          <a:p>
-            <a:r>
-              <a:rPr lang="en-US" sz="1400" dirty="0">
-                <a:latin typeface="Courier New" panose="02070309020205020404" pitchFamily="49" charset="0"/>
-                <a:cs typeface="Courier New" panose="02070309020205020404" pitchFamily="49" charset="0"/>
-              </a:rPr>
-              <a:t>&gt; </a:t>
-            </a:r>
-            <a:r>
-              <a:rPr lang="en-US" sz="1400" dirty="0" err="1">
-                <a:latin typeface="Courier New" panose="02070309020205020404" pitchFamily="49" charset="0"/>
-                <a:cs typeface="Courier New" panose="02070309020205020404" pitchFamily="49" charset="0"/>
-              </a:rPr>
-              <a:t>maacs$no2dec</a:t>
-            </a:r>
-            <a:r>
-              <a:rPr lang="en-US" sz="1400" dirty="0">
-                <a:latin typeface="Courier New" panose="02070309020205020404" pitchFamily="49" charset="0"/>
-                <a:cs typeface="Courier New" panose="02070309020205020404" pitchFamily="49" charset="0"/>
-              </a:rPr>
-              <a:t> &lt;- cut(</a:t>
-            </a:r>
-            <a:r>
-              <a:rPr lang="en-US" sz="1400" dirty="0" err="1">
-                <a:latin typeface="Courier New" panose="02070309020205020404" pitchFamily="49" charset="0"/>
-                <a:cs typeface="Courier New" panose="02070309020205020404" pitchFamily="49" charset="0"/>
-              </a:rPr>
-              <a:t>maacs$logno2_new</a:t>
-            </a:r>
-            <a:r>
-              <a:rPr lang="en-US" sz="1400" dirty="0">
-                <a:latin typeface="Courier New" panose="02070309020205020404" pitchFamily="49" charset="0"/>
-                <a:cs typeface="Courier New" panose="02070309020205020404" pitchFamily="49" charset="0"/>
-              </a:rPr>
-              <a:t>, </a:t>
-            </a:r>
-            <a:r>
-              <a:rPr lang="en-US" sz="1400" dirty="0" err="1">
-                <a:latin typeface="Courier New" panose="02070309020205020404" pitchFamily="49" charset="0"/>
-                <a:cs typeface="Courier New" panose="02070309020205020404" pitchFamily="49" charset="0"/>
-              </a:rPr>
-              <a:t>cutpoints</a:t>
-            </a:r>
-            <a:r>
-              <a:rPr lang="en-US" sz="1400" dirty="0">
-                <a:latin typeface="Courier New" panose="02070309020205020404" pitchFamily="49" charset="0"/>
-                <a:cs typeface="Courier New" panose="02070309020205020404" pitchFamily="49" charset="0"/>
-              </a:rPr>
-              <a:t>)</a:t>
-            </a:r>
-          </a:p>
-          <a:p>
-            <a:endParaRPr lang="en-US" sz="1400" dirty="0">
-              <a:latin typeface="Courier New" panose="02070309020205020404" pitchFamily="49" charset="0"/>
-              <a:cs typeface="Courier New" panose="02070309020205020404" pitchFamily="49" charset="0"/>
-            </a:endParaRPr>
-          </a:p>
-          <a:p>
-            <a:r>
-              <a:rPr lang="en-US" sz="1400" dirty="0">
-                <a:latin typeface="Courier New" panose="02070309020205020404" pitchFamily="49" charset="0"/>
-                <a:cs typeface="Courier New" panose="02070309020205020404" pitchFamily="49" charset="0"/>
-              </a:rPr>
-              <a:t>## See the levels of the newly created factor variable</a:t>
-            </a:r>
-          </a:p>
-          <a:p>
-            <a:r>
-              <a:rPr lang="en-US" sz="1400" dirty="0">
-                <a:latin typeface="Courier New" panose="02070309020205020404" pitchFamily="49" charset="0"/>
-                <a:cs typeface="Courier New" panose="02070309020205020404" pitchFamily="49" charset="0"/>
-              </a:rPr>
-              <a:t>&gt; levels(</a:t>
-            </a:r>
-            <a:r>
-              <a:rPr lang="en-US" sz="1400" dirty="0" err="1">
-                <a:latin typeface="Courier New" panose="02070309020205020404" pitchFamily="49" charset="0"/>
-                <a:cs typeface="Courier New" panose="02070309020205020404" pitchFamily="49" charset="0"/>
-              </a:rPr>
-              <a:t>maacs$no2dec</a:t>
-            </a:r>
-            <a:r>
-              <a:rPr lang="en-US" sz="1400" dirty="0">
-                <a:latin typeface="Courier New" panose="02070309020205020404" pitchFamily="49" charset="0"/>
-                <a:cs typeface="Courier New" panose="02070309020205020404" pitchFamily="49" charset="0"/>
-              </a:rPr>
-              <a:t>)</a:t>
-            </a:r>
-          </a:p>
-          <a:p>
-            <a:r>
-              <a:rPr lang="en-US" sz="1400" dirty="0">
-                <a:latin typeface="Courier New" panose="02070309020205020404" pitchFamily="49" charset="0"/>
-                <a:cs typeface="Courier New" panose="02070309020205020404" pitchFamily="49" charset="0"/>
-              </a:rPr>
-              <a:t> [1] "(0.378,0.969]" "(0.969,1.1]"   "(1.1,1.17]"    "(1.17,1.26]"  </a:t>
-            </a:r>
-          </a:p>
-          <a:p>
-            <a:r>
-              <a:rPr lang="en-US" sz="1400" dirty="0">
-                <a:latin typeface="Courier New" panose="02070309020205020404" pitchFamily="49" charset="0"/>
-                <a:cs typeface="Courier New" panose="02070309020205020404" pitchFamily="49" charset="0"/>
-              </a:rPr>
-              <a:t> [5] "(1.26,1.32]"   "(1.32,1.38]"   "(1.38,1.44]"   "(1.44,1.54]"  </a:t>
-            </a:r>
-          </a:p>
-          <a:p>
-            <a:r>
-              <a:rPr lang="en-US" sz="1400" dirty="0">
-                <a:latin typeface="Courier New" panose="02070309020205020404" pitchFamily="49" charset="0"/>
-                <a:cs typeface="Courier New" panose="02070309020205020404" pitchFamily="49" charset="0"/>
-              </a:rPr>
-              <a:t> [9] "(1.54,1.69]"   "(1.69,2.55]"  </a:t>
-            </a:r>
-          </a:p>
-          <a:p>
-            <a:endParaRPr lang="en-US" sz="1400" dirty="0">
-              <a:latin typeface="Courier New" panose="02070309020205020404" pitchFamily="49" charset="0"/>
-              <a:cs typeface="Courier New" panose="02070309020205020404" pitchFamily="49" charset="0"/>
-            </a:endParaRPr>
+              <a:rPr lang="en-US" dirty="0" err="1"/>
+              <a:t>ggplot2</a:t>
+            </a:r>
+            <a:r>
+              <a:rPr lang="en-US" dirty="0"/>
+              <a:t> is very powerful and flexible if you learn the “grammar” and the various elements that can be tuned/modified</a:t>
+            </a:r>
+          </a:p>
+          <a:p>
+            <a:r>
+              <a:rPr lang="en-US" dirty="0"/>
+              <a:t>Many more types of plots can be made; explore and mess around with the package </a:t>
+            </a:r>
           </a:p>
         </p:txBody>
       </p:sp>
     </p:spTree>
     <p:extLst>
       <p:ext uri="{BB962C8B-B14F-4D97-AF65-F5344CB8AC3E}">
-        <p14:creationId xmlns:p14="http://schemas.microsoft.com/office/powerpoint/2010/main" val="997513452"/>
+        <p14:creationId xmlns:p14="http://schemas.microsoft.com/office/powerpoint/2010/main" val="2268713650"/>
       </p:ext>
     </p:extLst>
   </p:cSld>
@@ -14529,1830 +14291,6 @@
           <a:p>
             <a:r>
               <a:rPr lang="en-US"/>
-              <a:t>Final Plot</a:t>
-            </a:r>
-          </a:p>
-        </p:txBody>
-      </p:sp>
-      <p:pic>
-        <p:nvPicPr>
-          <p:cNvPr id="3" name="Picture 2" descr="Screen Shot 2013-09-30 at 2.04.22 PM.png"/>
-          <p:cNvPicPr>
-            <a:picLocks noChangeAspect="1"/>
-          </p:cNvPicPr>
-          <p:nvPr/>
-        </p:nvPicPr>
-        <p:blipFill>
-          <a:blip r:embed="rId2">
-            <a:extLst>
-              <a:ext uri="{28A0092B-C50C-407E-A947-70E740481C1C}">
-                <a14:useLocalDpi xmlns:a14="http://schemas.microsoft.com/office/drawing/2010/main" val="0"/>
-              </a:ext>
-            </a:extLst>
-          </a:blip>
-          <a:stretch>
-            <a:fillRect/>
-          </a:stretch>
-        </p:blipFill>
-        <p:spPr>
-          <a:xfrm>
-            <a:off x="1134710" y="1030528"/>
-            <a:ext cx="6845211" cy="4059860"/>
-          </a:xfrm>
-          <a:prstGeom prst="rect">
-            <a:avLst/>
-          </a:prstGeom>
-        </p:spPr>
-      </p:pic>
-      <p:sp>
-        <p:nvSpPr>
-          <p:cNvPr id="4" name="Rectangle 3"/>
-          <p:cNvSpPr/>
-          <p:nvPr/>
-        </p:nvSpPr>
-        <p:spPr>
-          <a:xfrm>
-            <a:off x="7058076" y="614152"/>
-            <a:ext cx="1769723" cy="416377"/>
-          </a:xfrm>
-          <a:prstGeom prst="rect">
-            <a:avLst/>
-          </a:prstGeom>
-        </p:spPr>
-        <p:style>
-          <a:lnRef idx="1">
-            <a:schemeClr val="accent1"/>
-          </a:lnRef>
-          <a:fillRef idx="3">
-            <a:schemeClr val="accent1"/>
-          </a:fillRef>
-          <a:effectRef idx="2">
-            <a:schemeClr val="accent1"/>
-          </a:effectRef>
-          <a:fontRef idx="minor">
-            <a:schemeClr val="lt1"/>
-          </a:fontRef>
-        </p:style>
-        <p:txBody>
-          <a:bodyPr rtlCol="0" anchor="ctr"/>
-          <a:lstStyle/>
-          <a:p>
-            <a:pPr algn="ctr"/>
-            <a:r>
-              <a:rPr lang="en-US"/>
-              <a:t>Multiple panels</a:t>
-            </a:r>
-          </a:p>
-        </p:txBody>
-      </p:sp>
-      <p:sp>
-        <p:nvSpPr>
-          <p:cNvPr id="5" name="Rectangle 4"/>
-          <p:cNvSpPr/>
-          <p:nvPr/>
-        </p:nvSpPr>
-        <p:spPr>
-          <a:xfrm>
-            <a:off x="547986" y="141983"/>
-            <a:ext cx="1769723" cy="416377"/>
-          </a:xfrm>
-          <a:prstGeom prst="rect">
-            <a:avLst/>
-          </a:prstGeom>
-        </p:spPr>
-        <p:style>
-          <a:lnRef idx="1">
-            <a:schemeClr val="accent1"/>
-          </a:lnRef>
-          <a:fillRef idx="3">
-            <a:schemeClr val="accent1"/>
-          </a:fillRef>
-          <a:effectRef idx="2">
-            <a:schemeClr val="accent1"/>
-          </a:effectRef>
-          <a:fontRef idx="minor">
-            <a:schemeClr val="lt1"/>
-          </a:fontRef>
-        </p:style>
-        <p:txBody>
-          <a:bodyPr rtlCol="0" anchor="ctr"/>
-          <a:lstStyle/>
-          <a:p>
-            <a:pPr algn="ctr"/>
-            <a:r>
-              <a:rPr lang="en-US"/>
-              <a:t>Non-default font</a:t>
-            </a:r>
-          </a:p>
-        </p:txBody>
-      </p:sp>
-      <p:sp>
-        <p:nvSpPr>
-          <p:cNvPr id="6" name="Rectangle 5"/>
-          <p:cNvSpPr/>
-          <p:nvPr/>
-        </p:nvSpPr>
-        <p:spPr>
-          <a:xfrm>
-            <a:off x="7979915" y="2310870"/>
-            <a:ext cx="1128046" cy="416377"/>
-          </a:xfrm>
-          <a:prstGeom prst="rect">
-            <a:avLst/>
-          </a:prstGeom>
-        </p:spPr>
-        <p:style>
-          <a:lnRef idx="1">
-            <a:schemeClr val="accent1"/>
-          </a:lnRef>
-          <a:fillRef idx="3">
-            <a:schemeClr val="accent1"/>
-          </a:fillRef>
-          <a:effectRef idx="2">
-            <a:schemeClr val="accent1"/>
-          </a:effectRef>
-          <a:fontRef idx="minor">
-            <a:schemeClr val="lt1"/>
-          </a:fontRef>
-        </p:style>
-        <p:txBody>
-          <a:bodyPr rtlCol="0" anchor="ctr"/>
-          <a:lstStyle/>
-          <a:p>
-            <a:pPr algn="ctr"/>
-            <a:r>
-              <a:rPr lang="en-US"/>
-              <a:t>Smoother</a:t>
-            </a:r>
-          </a:p>
-        </p:txBody>
-      </p:sp>
-      <p:sp>
-        <p:nvSpPr>
-          <p:cNvPr id="7" name="Rectangle 6"/>
-          <p:cNvSpPr/>
-          <p:nvPr/>
-        </p:nvSpPr>
-        <p:spPr>
-          <a:xfrm>
-            <a:off x="48301" y="1234973"/>
-            <a:ext cx="1315428" cy="628297"/>
-          </a:xfrm>
-          <a:prstGeom prst="rect">
-            <a:avLst/>
-          </a:prstGeom>
-        </p:spPr>
-        <p:style>
-          <a:lnRef idx="1">
-            <a:schemeClr val="accent1"/>
-          </a:lnRef>
-          <a:fillRef idx="3">
-            <a:schemeClr val="accent1"/>
-          </a:fillRef>
-          <a:effectRef idx="2">
-            <a:schemeClr val="accent1"/>
-          </a:effectRef>
-          <a:fontRef idx="minor">
-            <a:schemeClr val="lt1"/>
-          </a:fontRef>
-        </p:style>
-        <p:txBody>
-          <a:bodyPr rtlCol="0" anchor="ctr"/>
-          <a:lstStyle/>
-          <a:p>
-            <a:pPr algn="ctr"/>
-            <a:r>
-              <a:rPr lang="en-US"/>
-              <a:t>Transparent points</a:t>
-            </a:r>
-          </a:p>
-        </p:txBody>
-      </p:sp>
-      <p:sp>
-        <p:nvSpPr>
-          <p:cNvPr id="8" name="Rectangle 7"/>
-          <p:cNvSpPr/>
-          <p:nvPr/>
-        </p:nvSpPr>
-        <p:spPr>
-          <a:xfrm>
-            <a:off x="48301" y="4600919"/>
-            <a:ext cx="1315428" cy="416377"/>
-          </a:xfrm>
-          <a:prstGeom prst="rect">
-            <a:avLst/>
-          </a:prstGeom>
-        </p:spPr>
-        <p:style>
-          <a:lnRef idx="1">
-            <a:schemeClr val="accent1"/>
-          </a:lnRef>
-          <a:fillRef idx="3">
-            <a:schemeClr val="accent1"/>
-          </a:fillRef>
-          <a:effectRef idx="2">
-            <a:schemeClr val="accent1"/>
-          </a:effectRef>
-          <a:fontRef idx="minor">
-            <a:schemeClr val="lt1"/>
-          </a:fontRef>
-        </p:style>
-        <p:txBody>
-          <a:bodyPr rtlCol="0" anchor="ctr"/>
-          <a:lstStyle/>
-          <a:p>
-            <a:pPr algn="ctr"/>
-            <a:r>
-              <a:rPr lang="en-US"/>
-              <a:t>Labels/Title</a:t>
-            </a:r>
-          </a:p>
-        </p:txBody>
-      </p:sp>
-      <p:cxnSp>
-        <p:nvCxnSpPr>
-          <p:cNvPr id="10" name="Straight Arrow Connector 9"/>
-          <p:cNvCxnSpPr>
-            <a:stCxn id="5" idx="3"/>
-          </p:cNvCxnSpPr>
-          <p:nvPr/>
-        </p:nvCxnSpPr>
-        <p:spPr>
-          <a:xfrm>
-            <a:off x="2317708" y="350173"/>
-            <a:ext cx="1773474" cy="971810"/>
-          </a:xfrm>
-          <a:prstGeom prst="straightConnector1">
-            <a:avLst/>
-          </a:prstGeom>
-          <a:ln>
-            <a:tailEnd type="arrow"/>
-          </a:ln>
-        </p:spPr>
-        <p:style>
-          <a:lnRef idx="2">
-            <a:schemeClr val="accent1"/>
-          </a:lnRef>
-          <a:fillRef idx="0">
-            <a:schemeClr val="accent1"/>
-          </a:fillRef>
-          <a:effectRef idx="1">
-            <a:schemeClr val="accent1"/>
-          </a:effectRef>
-          <a:fontRef idx="minor">
-            <a:schemeClr val="tx1"/>
-          </a:fontRef>
-        </p:style>
-      </p:cxnSp>
-      <p:cxnSp>
-        <p:nvCxnSpPr>
-          <p:cNvPr id="11" name="Straight Arrow Connector 10"/>
-          <p:cNvCxnSpPr>
-            <a:stCxn id="7" idx="3"/>
-          </p:cNvCxnSpPr>
-          <p:nvPr/>
-        </p:nvCxnSpPr>
-        <p:spPr>
-          <a:xfrm>
-            <a:off x="1363735" y="1549119"/>
-            <a:ext cx="953979" cy="761748"/>
-          </a:xfrm>
-          <a:prstGeom prst="straightConnector1">
-            <a:avLst/>
-          </a:prstGeom>
-          <a:ln>
-            <a:tailEnd type="arrow"/>
-          </a:ln>
-        </p:spPr>
-        <p:style>
-          <a:lnRef idx="2">
-            <a:schemeClr val="accent1"/>
-          </a:lnRef>
-          <a:fillRef idx="0">
-            <a:schemeClr val="accent1"/>
-          </a:fillRef>
-          <a:effectRef idx="1">
-            <a:schemeClr val="accent1"/>
-          </a:effectRef>
-          <a:fontRef idx="minor">
-            <a:schemeClr val="tx1"/>
-          </a:fontRef>
-        </p:style>
-      </p:cxnSp>
-      <p:cxnSp>
-        <p:nvCxnSpPr>
-          <p:cNvPr id="14" name="Straight Arrow Connector 13"/>
-          <p:cNvCxnSpPr>
-            <a:stCxn id="8" idx="3"/>
-          </p:cNvCxnSpPr>
-          <p:nvPr/>
-        </p:nvCxnSpPr>
-        <p:spPr>
-          <a:xfrm>
-            <a:off x="1363735" y="4809106"/>
-            <a:ext cx="3029347" cy="83270"/>
-          </a:xfrm>
-          <a:prstGeom prst="straightConnector1">
-            <a:avLst/>
-          </a:prstGeom>
-          <a:ln>
-            <a:tailEnd type="arrow"/>
-          </a:ln>
-        </p:spPr>
-        <p:style>
-          <a:lnRef idx="2">
-            <a:schemeClr val="accent1"/>
-          </a:lnRef>
-          <a:fillRef idx="0">
-            <a:schemeClr val="accent1"/>
-          </a:fillRef>
-          <a:effectRef idx="1">
-            <a:schemeClr val="accent1"/>
-          </a:effectRef>
-          <a:fontRef idx="minor">
-            <a:schemeClr val="tx1"/>
-          </a:fontRef>
-        </p:style>
-      </p:cxnSp>
-      <p:cxnSp>
-        <p:nvCxnSpPr>
-          <p:cNvPr id="17" name="Straight Arrow Connector 16"/>
-          <p:cNvCxnSpPr>
-            <a:stCxn id="8" idx="0"/>
-          </p:cNvCxnSpPr>
-          <p:nvPr/>
-        </p:nvCxnSpPr>
-        <p:spPr>
-          <a:xfrm flipV="1">
-            <a:off x="706015" y="3612031"/>
-            <a:ext cx="511970" cy="988886"/>
-          </a:xfrm>
-          <a:prstGeom prst="straightConnector1">
-            <a:avLst/>
-          </a:prstGeom>
-          <a:ln>
-            <a:tailEnd type="arrow"/>
-          </a:ln>
-        </p:spPr>
-        <p:style>
-          <a:lnRef idx="2">
-            <a:schemeClr val="accent1"/>
-          </a:lnRef>
-          <a:fillRef idx="0">
-            <a:schemeClr val="accent1"/>
-          </a:fillRef>
-          <a:effectRef idx="1">
-            <a:schemeClr val="accent1"/>
-          </a:effectRef>
-          <a:fontRef idx="minor">
-            <a:schemeClr val="tx1"/>
-          </a:fontRef>
-        </p:style>
-      </p:cxnSp>
-      <p:cxnSp>
-        <p:nvCxnSpPr>
-          <p:cNvPr id="20" name="Straight Arrow Connector 19"/>
-          <p:cNvCxnSpPr>
-            <a:stCxn id="6" idx="1"/>
-          </p:cNvCxnSpPr>
-          <p:nvPr/>
-        </p:nvCxnSpPr>
-        <p:spPr>
-          <a:xfrm flipH="1">
-            <a:off x="5965010" y="2519056"/>
-            <a:ext cx="2014909" cy="208188"/>
-          </a:xfrm>
-          <a:prstGeom prst="straightConnector1">
-            <a:avLst/>
-          </a:prstGeom>
-          <a:ln>
-            <a:tailEnd type="arrow"/>
-          </a:ln>
-        </p:spPr>
-        <p:style>
-          <a:lnRef idx="2">
-            <a:schemeClr val="accent1"/>
-          </a:lnRef>
-          <a:fillRef idx="0">
-            <a:schemeClr val="accent1"/>
-          </a:fillRef>
-          <a:effectRef idx="1">
-            <a:schemeClr val="accent1"/>
-          </a:effectRef>
-          <a:fontRef idx="minor">
-            <a:schemeClr val="tx1"/>
-          </a:fontRef>
-        </p:style>
-      </p:cxnSp>
-      <p:cxnSp>
-        <p:nvCxnSpPr>
-          <p:cNvPr id="23" name="Straight Arrow Connector 22"/>
-          <p:cNvCxnSpPr>
-            <a:stCxn id="4" idx="1"/>
-          </p:cNvCxnSpPr>
-          <p:nvPr/>
-        </p:nvCxnSpPr>
-        <p:spPr>
-          <a:xfrm flipH="1">
-            <a:off x="6443872" y="822338"/>
-            <a:ext cx="614198" cy="499644"/>
-          </a:xfrm>
-          <a:prstGeom prst="straightConnector1">
-            <a:avLst/>
-          </a:prstGeom>
-          <a:ln>
-            <a:tailEnd type="arrow"/>
-          </a:ln>
-        </p:spPr>
-        <p:style>
-          <a:lnRef idx="2">
-            <a:schemeClr val="accent1"/>
-          </a:lnRef>
-          <a:fillRef idx="0">
-            <a:schemeClr val="accent1"/>
-          </a:fillRef>
-          <a:effectRef idx="1">
-            <a:schemeClr val="accent1"/>
-          </a:effectRef>
-          <a:fontRef idx="minor">
-            <a:schemeClr val="tx1"/>
-          </a:fontRef>
-        </p:style>
-      </p:cxnSp>
-    </p:spTree>
-    <p:extLst>
-      <p:ext uri="{BB962C8B-B14F-4D97-AF65-F5344CB8AC3E}">
-        <p14:creationId xmlns:p14="http://schemas.microsoft.com/office/powerpoint/2010/main" val="4136622642"/>
-      </p:ext>
-    </p:extLst>
-  </p:cSld>
-  <p:clrMapOvr>
-    <a:masterClrMapping/>
-  </p:clrMapOvr>
-  <p:timing>
-    <p:tnLst>
-      <p:par>
-        <p:cTn id="1" dur="indefinite" restart="never" nodeType="tmRoot">
-          <p:childTnLst>
-            <p:seq concurrent="1" nextAc="seek">
-              <p:cTn id="2" dur="indefinite" nodeType="mainSeq">
-                <p:childTnLst>
-                  <p:par>
-                    <p:cTn id="3" fill="hold">
-                      <p:stCondLst>
-                        <p:cond delay="indefinite"/>
-                      </p:stCondLst>
-                      <p:childTnLst>
-                        <p:par>
-                          <p:cTn id="4" fill="hold">
-                            <p:stCondLst>
-                              <p:cond delay="0"/>
-                            </p:stCondLst>
-                            <p:childTnLst>
-                              <p:par>
-                                <p:cTn id="5" presetID="1" presetClass="entr" presetSubtype="0" fill="hold" grpId="0" nodeType="clickEffect">
-                                  <p:stCondLst>
-                                    <p:cond delay="0"/>
-                                  </p:stCondLst>
-                                  <p:childTnLst>
-                                    <p:set>
-                                      <p:cBhvr>
-                                        <p:cTn id="6" dur="1" fill="hold">
-                                          <p:stCondLst>
-                                            <p:cond delay="0"/>
-                                          </p:stCondLst>
-                                        </p:cTn>
-                                        <p:tgtEl>
-                                          <p:spTgt spid="7"/>
-                                        </p:tgtEl>
-                                        <p:attrNameLst>
-                                          <p:attrName>style.visibility</p:attrName>
-                                        </p:attrNameLst>
-                                      </p:cBhvr>
-                                      <p:to>
-                                        <p:strVal val="visible"/>
-                                      </p:to>
-                                    </p:set>
-                                  </p:childTnLst>
-                                </p:cTn>
-                              </p:par>
-                              <p:par>
-                                <p:cTn id="7" presetID="1" presetClass="entr" presetSubtype="0" fill="hold" nodeType="withEffect">
-                                  <p:stCondLst>
-                                    <p:cond delay="0"/>
-                                  </p:stCondLst>
-                                  <p:childTnLst>
-                                    <p:set>
-                                      <p:cBhvr>
-                                        <p:cTn id="8" dur="1" fill="hold">
-                                          <p:stCondLst>
-                                            <p:cond delay="0"/>
-                                          </p:stCondLst>
-                                        </p:cTn>
-                                        <p:tgtEl>
-                                          <p:spTgt spid="11"/>
-                                        </p:tgtEl>
-                                        <p:attrNameLst>
-                                          <p:attrName>style.visibility</p:attrName>
-                                        </p:attrNameLst>
-                                      </p:cBhvr>
-                                      <p:to>
-                                        <p:strVal val="visible"/>
-                                      </p:to>
-                                    </p:set>
-                                  </p:childTnLst>
-                                </p:cTn>
-                              </p:par>
-                            </p:childTnLst>
-                          </p:cTn>
-                        </p:par>
-                      </p:childTnLst>
-                    </p:cTn>
-                  </p:par>
-                  <p:par>
-                    <p:cTn id="9" fill="hold">
-                      <p:stCondLst>
-                        <p:cond delay="indefinite"/>
-                      </p:stCondLst>
-                      <p:childTnLst>
-                        <p:par>
-                          <p:cTn id="10" fill="hold">
-                            <p:stCondLst>
-                              <p:cond delay="0"/>
-                            </p:stCondLst>
-                            <p:childTnLst>
-                              <p:par>
-                                <p:cTn id="11" presetID="1" presetClass="entr" presetSubtype="0" fill="hold" grpId="0" nodeType="clickEffect">
-                                  <p:stCondLst>
-                                    <p:cond delay="0"/>
-                                  </p:stCondLst>
-                                  <p:childTnLst>
-                                    <p:set>
-                                      <p:cBhvr>
-                                        <p:cTn id="12" dur="1" fill="hold">
-                                          <p:stCondLst>
-                                            <p:cond delay="0"/>
-                                          </p:stCondLst>
-                                        </p:cTn>
-                                        <p:tgtEl>
-                                          <p:spTgt spid="6"/>
-                                        </p:tgtEl>
-                                        <p:attrNameLst>
-                                          <p:attrName>style.visibility</p:attrName>
-                                        </p:attrNameLst>
-                                      </p:cBhvr>
-                                      <p:to>
-                                        <p:strVal val="visible"/>
-                                      </p:to>
-                                    </p:set>
-                                  </p:childTnLst>
-                                </p:cTn>
-                              </p:par>
-                              <p:par>
-                                <p:cTn id="13" presetID="1" presetClass="entr" presetSubtype="0" fill="hold" nodeType="withEffect">
-                                  <p:stCondLst>
-                                    <p:cond delay="0"/>
-                                  </p:stCondLst>
-                                  <p:childTnLst>
-                                    <p:set>
-                                      <p:cBhvr>
-                                        <p:cTn id="14" dur="1" fill="hold">
-                                          <p:stCondLst>
-                                            <p:cond delay="0"/>
-                                          </p:stCondLst>
-                                        </p:cTn>
-                                        <p:tgtEl>
-                                          <p:spTgt spid="20"/>
-                                        </p:tgtEl>
-                                        <p:attrNameLst>
-                                          <p:attrName>style.visibility</p:attrName>
-                                        </p:attrNameLst>
-                                      </p:cBhvr>
-                                      <p:to>
-                                        <p:strVal val="visible"/>
-                                      </p:to>
-                                    </p:set>
-                                  </p:childTnLst>
-                                </p:cTn>
-                              </p:par>
-                            </p:childTnLst>
-                          </p:cTn>
-                        </p:par>
-                      </p:childTnLst>
-                    </p:cTn>
-                  </p:par>
-                  <p:par>
-                    <p:cTn id="15" fill="hold">
-                      <p:stCondLst>
-                        <p:cond delay="indefinite"/>
-                      </p:stCondLst>
-                      <p:childTnLst>
-                        <p:par>
-                          <p:cTn id="16" fill="hold">
-                            <p:stCondLst>
-                              <p:cond delay="0"/>
-                            </p:stCondLst>
-                            <p:childTnLst>
-                              <p:par>
-                                <p:cTn id="17" presetID="1" presetClass="entr" presetSubtype="0" fill="hold" grpId="0" nodeType="clickEffect">
-                                  <p:stCondLst>
-                                    <p:cond delay="0"/>
-                                  </p:stCondLst>
-                                  <p:childTnLst>
-                                    <p:set>
-                                      <p:cBhvr>
-                                        <p:cTn id="18" dur="1" fill="hold">
-                                          <p:stCondLst>
-                                            <p:cond delay="0"/>
-                                          </p:stCondLst>
-                                        </p:cTn>
-                                        <p:tgtEl>
-                                          <p:spTgt spid="4"/>
-                                        </p:tgtEl>
-                                        <p:attrNameLst>
-                                          <p:attrName>style.visibility</p:attrName>
-                                        </p:attrNameLst>
-                                      </p:cBhvr>
-                                      <p:to>
-                                        <p:strVal val="visible"/>
-                                      </p:to>
-                                    </p:set>
-                                  </p:childTnLst>
-                                </p:cTn>
-                              </p:par>
-                              <p:par>
-                                <p:cTn id="19" presetID="1" presetClass="entr" presetSubtype="0" fill="hold" nodeType="withEffect">
-                                  <p:stCondLst>
-                                    <p:cond delay="0"/>
-                                  </p:stCondLst>
-                                  <p:childTnLst>
-                                    <p:set>
-                                      <p:cBhvr>
-                                        <p:cTn id="20" dur="1" fill="hold">
-                                          <p:stCondLst>
-                                            <p:cond delay="0"/>
-                                          </p:stCondLst>
-                                        </p:cTn>
-                                        <p:tgtEl>
-                                          <p:spTgt spid="23"/>
-                                        </p:tgtEl>
-                                        <p:attrNameLst>
-                                          <p:attrName>style.visibility</p:attrName>
-                                        </p:attrNameLst>
-                                      </p:cBhvr>
-                                      <p:to>
-                                        <p:strVal val="visible"/>
-                                      </p:to>
-                                    </p:set>
-                                  </p:childTnLst>
-                                </p:cTn>
-                              </p:par>
-                            </p:childTnLst>
-                          </p:cTn>
-                        </p:par>
-                      </p:childTnLst>
-                    </p:cTn>
-                  </p:par>
-                  <p:par>
-                    <p:cTn id="21" fill="hold">
-                      <p:stCondLst>
-                        <p:cond delay="indefinite"/>
-                      </p:stCondLst>
-                      <p:childTnLst>
-                        <p:par>
-                          <p:cTn id="22" fill="hold">
-                            <p:stCondLst>
-                              <p:cond delay="0"/>
-                            </p:stCondLst>
-                            <p:childTnLst>
-                              <p:par>
-                                <p:cTn id="23" presetID="1" presetClass="entr" presetSubtype="0" fill="hold" grpId="0" nodeType="clickEffect">
-                                  <p:stCondLst>
-                                    <p:cond delay="0"/>
-                                  </p:stCondLst>
-                                  <p:childTnLst>
-                                    <p:set>
-                                      <p:cBhvr>
-                                        <p:cTn id="24" dur="1" fill="hold">
-                                          <p:stCondLst>
-                                            <p:cond delay="0"/>
-                                          </p:stCondLst>
-                                        </p:cTn>
-                                        <p:tgtEl>
-                                          <p:spTgt spid="8"/>
-                                        </p:tgtEl>
-                                        <p:attrNameLst>
-                                          <p:attrName>style.visibility</p:attrName>
-                                        </p:attrNameLst>
-                                      </p:cBhvr>
-                                      <p:to>
-                                        <p:strVal val="visible"/>
-                                      </p:to>
-                                    </p:set>
-                                  </p:childTnLst>
-                                </p:cTn>
-                              </p:par>
-                              <p:par>
-                                <p:cTn id="25" presetID="1" presetClass="entr" presetSubtype="0" fill="hold" nodeType="withEffect">
-                                  <p:stCondLst>
-                                    <p:cond delay="0"/>
-                                  </p:stCondLst>
-                                  <p:childTnLst>
-                                    <p:set>
-                                      <p:cBhvr>
-                                        <p:cTn id="26" dur="1" fill="hold">
-                                          <p:stCondLst>
-                                            <p:cond delay="0"/>
-                                          </p:stCondLst>
-                                        </p:cTn>
-                                        <p:tgtEl>
-                                          <p:spTgt spid="17"/>
-                                        </p:tgtEl>
-                                        <p:attrNameLst>
-                                          <p:attrName>style.visibility</p:attrName>
-                                        </p:attrNameLst>
-                                      </p:cBhvr>
-                                      <p:to>
-                                        <p:strVal val="visible"/>
-                                      </p:to>
-                                    </p:set>
-                                  </p:childTnLst>
-                                </p:cTn>
-                              </p:par>
-                              <p:par>
-                                <p:cTn id="27" presetID="1" presetClass="entr" presetSubtype="0" fill="hold" nodeType="withEffect">
-                                  <p:stCondLst>
-                                    <p:cond delay="0"/>
-                                  </p:stCondLst>
-                                  <p:childTnLst>
-                                    <p:set>
-                                      <p:cBhvr>
-                                        <p:cTn id="28" dur="1" fill="hold">
-                                          <p:stCondLst>
-                                            <p:cond delay="0"/>
-                                          </p:stCondLst>
-                                        </p:cTn>
-                                        <p:tgtEl>
-                                          <p:spTgt spid="14"/>
-                                        </p:tgtEl>
-                                        <p:attrNameLst>
-                                          <p:attrName>style.visibility</p:attrName>
-                                        </p:attrNameLst>
-                                      </p:cBhvr>
-                                      <p:to>
-                                        <p:strVal val="visible"/>
-                                      </p:to>
-                                    </p:set>
-                                  </p:childTnLst>
-                                </p:cTn>
-                              </p:par>
-                            </p:childTnLst>
-                          </p:cTn>
-                        </p:par>
-                      </p:childTnLst>
-                    </p:cTn>
-                  </p:par>
-                  <p:par>
-                    <p:cTn id="29" fill="hold">
-                      <p:stCondLst>
-                        <p:cond delay="indefinite"/>
-                      </p:stCondLst>
-                      <p:childTnLst>
-                        <p:par>
-                          <p:cTn id="30" fill="hold">
-                            <p:stCondLst>
-                              <p:cond delay="0"/>
-                            </p:stCondLst>
-                            <p:childTnLst>
-                              <p:par>
-                                <p:cTn id="31" presetID="1" presetClass="entr" presetSubtype="0" fill="hold" grpId="0" nodeType="clickEffect">
-                                  <p:stCondLst>
-                                    <p:cond delay="0"/>
-                                  </p:stCondLst>
-                                  <p:childTnLst>
-                                    <p:set>
-                                      <p:cBhvr>
-                                        <p:cTn id="32" dur="1" fill="hold">
-                                          <p:stCondLst>
-                                            <p:cond delay="0"/>
-                                          </p:stCondLst>
-                                        </p:cTn>
-                                        <p:tgtEl>
-                                          <p:spTgt spid="5"/>
-                                        </p:tgtEl>
-                                        <p:attrNameLst>
-                                          <p:attrName>style.visibility</p:attrName>
-                                        </p:attrNameLst>
-                                      </p:cBhvr>
-                                      <p:to>
-                                        <p:strVal val="visible"/>
-                                      </p:to>
-                                    </p:set>
-                                  </p:childTnLst>
-                                </p:cTn>
-                              </p:par>
-                              <p:par>
-                                <p:cTn id="33" presetID="1" presetClass="entr" presetSubtype="0" fill="hold" nodeType="withEffect">
-                                  <p:stCondLst>
-                                    <p:cond delay="0"/>
-                                  </p:stCondLst>
-                                  <p:childTnLst>
-                                    <p:set>
-                                      <p:cBhvr>
-                                        <p:cTn id="34" dur="1" fill="hold">
-                                          <p:stCondLst>
-                                            <p:cond delay="0"/>
-                                          </p:stCondLst>
-                                        </p:cTn>
-                                        <p:tgtEl>
-                                          <p:spTgt spid="10"/>
-                                        </p:tgtEl>
-                                        <p:attrNameLst>
-                                          <p:attrName>style.visibility</p:attrName>
-                                        </p:attrNameLst>
-                                      </p:cBhvr>
-                                      <p:to>
-                                        <p:strVal val="visible"/>
-                                      </p:to>
-                                    </p:set>
-                                  </p:childTnLst>
-                                </p:cTn>
-                              </p:par>
-                            </p:childTnLst>
-                          </p:cTn>
-                        </p:par>
-                      </p:childTnLst>
-                    </p:cTn>
-                  </p:par>
-                </p:childTnLst>
-              </p:cTn>
-              <p:prevCondLst>
-                <p:cond evt="onPrev" delay="0">
-                  <p:tgtEl>
-                    <p:sldTgt/>
-                  </p:tgtEl>
-                </p:cond>
-              </p:prevCondLst>
-              <p:nextCondLst>
-                <p:cond evt="onNext" delay="0">
-                  <p:tgtEl>
-                    <p:sldTgt/>
-                  </p:tgtEl>
-                </p:cond>
-              </p:nextCondLst>
-            </p:seq>
-          </p:childTnLst>
-        </p:cTn>
-      </p:par>
-    </p:tnLst>
-    <p:bldLst>
-      <p:bldP spid="4" grpId="0" animBg="1"/>
-      <p:bldP spid="5" grpId="0" animBg="1"/>
-      <p:bldP spid="6" grpId="0" animBg="1"/>
-      <p:bldP spid="7" grpId="0" animBg="1"/>
-      <p:bldP spid="8" grpId="0" animBg="1"/>
-    </p:bldLst>
-  </p:timing>
-</p:sld>
-</file>
-
-<file path=ppt/slides/slide56.xml><?xml version="1.0" encoding="utf-8"?>
-<p:sld xmlns:a="http://schemas.openxmlformats.org/drawingml/2006/main" xmlns:r="http://schemas.openxmlformats.org/officeDocument/2006/relationships" xmlns:p="http://schemas.openxmlformats.org/presentationml/2006/main">
-  <p:cSld>
-    <p:spTree>
-      <p:nvGrpSpPr>
-        <p:cNvPr id="1" name=""/>
-        <p:cNvGrpSpPr/>
-        <p:nvPr/>
-      </p:nvGrpSpPr>
-      <p:grpSpPr>
-        <a:xfrm>
-          <a:off x="0" y="0"/>
-          <a:ext cx="0" cy="0"/>
-          <a:chOff x="0" y="0"/>
-          <a:chExt cx="0" cy="0"/>
-        </a:xfrm>
-      </p:grpSpPr>
-      <p:sp>
-        <p:nvSpPr>
-          <p:cNvPr id="2" name="Title 1"/>
-          <p:cNvSpPr>
-            <a:spLocks noGrp="1"/>
-          </p:cNvSpPr>
-          <p:nvPr>
-            <p:ph type="title"/>
-          </p:nvPr>
-        </p:nvSpPr>
-        <p:spPr/>
-        <p:txBody>
-          <a:bodyPr/>
-          <a:lstStyle/>
-          <a:p>
-            <a:r>
-              <a:rPr lang="en-US"/>
-              <a:t>Code for Final Plot</a:t>
-            </a:r>
-          </a:p>
-        </p:txBody>
-      </p:sp>
-      <p:sp>
-        <p:nvSpPr>
-          <p:cNvPr id="3" name="TextBox 2"/>
-          <p:cNvSpPr txBox="1"/>
-          <p:nvPr/>
-        </p:nvSpPr>
-        <p:spPr>
-          <a:xfrm>
-            <a:off x="774894" y="1380273"/>
-            <a:ext cx="7835022" cy="3139321"/>
-          </a:xfrm>
-          <a:prstGeom prst="rect">
-            <a:avLst/>
-          </a:prstGeom>
-          <a:noFill/>
-        </p:spPr>
-        <p:txBody>
-          <a:bodyPr wrap="square" rtlCol="0">
-            <a:spAutoFit/>
-          </a:bodyPr>
-          <a:lstStyle/>
-          <a:p>
-            <a:r>
-              <a:rPr lang="en-US" dirty="0">
-                <a:latin typeface="Courier New" panose="02070309020205020404" pitchFamily="49" charset="0"/>
-                <a:cs typeface="Courier New" panose="02070309020205020404" pitchFamily="49" charset="0"/>
-              </a:rPr>
-              <a:t>## Setup </a:t>
-            </a:r>
-            <a:r>
-              <a:rPr lang="en-US" dirty="0" err="1">
-                <a:latin typeface="Courier New" panose="02070309020205020404" pitchFamily="49" charset="0"/>
-                <a:cs typeface="Courier New" panose="02070309020205020404" pitchFamily="49" charset="0"/>
-              </a:rPr>
-              <a:t>ggplot</a:t>
-            </a:r>
-            <a:r>
-              <a:rPr lang="en-US" dirty="0">
-                <a:latin typeface="Courier New" panose="02070309020205020404" pitchFamily="49" charset="0"/>
-                <a:cs typeface="Courier New" panose="02070309020205020404" pitchFamily="49" charset="0"/>
-              </a:rPr>
-              <a:t> with data frame</a:t>
-            </a:r>
-          </a:p>
-          <a:p>
-            <a:r>
-              <a:rPr lang="en-US" dirty="0">
-                <a:latin typeface="Courier New" panose="02070309020205020404" pitchFamily="49" charset="0"/>
-                <a:cs typeface="Courier New" panose="02070309020205020404" pitchFamily="49" charset="0"/>
-              </a:rPr>
-              <a:t>g &lt;- </a:t>
-            </a:r>
-            <a:r>
-              <a:rPr lang="en-US" dirty="0" err="1">
-                <a:latin typeface="Courier New" panose="02070309020205020404" pitchFamily="49" charset="0"/>
-                <a:cs typeface="Courier New" panose="02070309020205020404" pitchFamily="49" charset="0"/>
-              </a:rPr>
-              <a:t>ggplot</a:t>
-            </a:r>
-            <a:r>
-              <a:rPr lang="en-US" dirty="0">
-                <a:latin typeface="Courier New" panose="02070309020205020404" pitchFamily="49" charset="0"/>
-                <a:cs typeface="Courier New" panose="02070309020205020404" pitchFamily="49" charset="0"/>
-              </a:rPr>
-              <a:t>(</a:t>
-            </a:r>
-            <a:r>
-              <a:rPr lang="en-US" dirty="0" err="1">
-                <a:latin typeface="Courier New" panose="02070309020205020404" pitchFamily="49" charset="0"/>
-                <a:cs typeface="Courier New" panose="02070309020205020404" pitchFamily="49" charset="0"/>
-              </a:rPr>
-              <a:t>maacs</a:t>
-            </a:r>
-            <a:r>
-              <a:rPr lang="en-US" dirty="0">
-                <a:latin typeface="Courier New" panose="02070309020205020404" pitchFamily="49" charset="0"/>
-                <a:cs typeface="Courier New" panose="02070309020205020404" pitchFamily="49" charset="0"/>
-              </a:rPr>
-              <a:t>, </a:t>
-            </a:r>
-            <a:r>
-              <a:rPr lang="en-US" dirty="0" err="1">
-                <a:latin typeface="Courier New" panose="02070309020205020404" pitchFamily="49" charset="0"/>
-                <a:cs typeface="Courier New" panose="02070309020205020404" pitchFamily="49" charset="0"/>
-              </a:rPr>
-              <a:t>aes</a:t>
-            </a:r>
-            <a:r>
-              <a:rPr lang="en-US" dirty="0">
-                <a:latin typeface="Courier New" panose="02070309020205020404" pitchFamily="49" charset="0"/>
-                <a:cs typeface="Courier New" panose="02070309020205020404" pitchFamily="49" charset="0"/>
-              </a:rPr>
-              <a:t>(</a:t>
-            </a:r>
-            <a:r>
-              <a:rPr lang="en-US" dirty="0" err="1">
-                <a:latin typeface="Courier New" panose="02070309020205020404" pitchFamily="49" charset="0"/>
-                <a:cs typeface="Courier New" panose="02070309020205020404" pitchFamily="49" charset="0"/>
-              </a:rPr>
-              <a:t>logpm25</a:t>
-            </a:r>
-            <a:r>
-              <a:rPr lang="en-US" dirty="0">
-                <a:latin typeface="Courier New" panose="02070309020205020404" pitchFamily="49" charset="0"/>
-                <a:cs typeface="Courier New" panose="02070309020205020404" pitchFamily="49" charset="0"/>
-              </a:rPr>
-              <a:t>, </a:t>
-            </a:r>
-            <a:r>
-              <a:rPr lang="en-US" dirty="0" err="1">
-                <a:latin typeface="Courier New" panose="02070309020205020404" pitchFamily="49" charset="0"/>
-                <a:cs typeface="Courier New" panose="02070309020205020404" pitchFamily="49" charset="0"/>
-              </a:rPr>
-              <a:t>NocturnalSympt</a:t>
-            </a:r>
-            <a:r>
-              <a:rPr lang="en-US" dirty="0">
-                <a:latin typeface="Courier New" panose="02070309020205020404" pitchFamily="49" charset="0"/>
-                <a:cs typeface="Courier New" panose="02070309020205020404" pitchFamily="49" charset="0"/>
-              </a:rPr>
-              <a:t>))</a:t>
-            </a:r>
-          </a:p>
-          <a:p>
-            <a:endParaRPr lang="en-US" dirty="0">
-              <a:latin typeface="Courier New" panose="02070309020205020404" pitchFamily="49" charset="0"/>
-              <a:cs typeface="Courier New" panose="02070309020205020404" pitchFamily="49" charset="0"/>
-            </a:endParaRPr>
-          </a:p>
-          <a:p>
-            <a:r>
-              <a:rPr lang="en-US" dirty="0">
-                <a:latin typeface="Courier New" panose="02070309020205020404" pitchFamily="49" charset="0"/>
-                <a:cs typeface="Courier New" panose="02070309020205020404" pitchFamily="49" charset="0"/>
-              </a:rPr>
-              <a:t>## Add layers</a:t>
-            </a:r>
-          </a:p>
-          <a:p>
-            <a:r>
-              <a:rPr lang="en-US" dirty="0">
-                <a:latin typeface="Courier New" panose="02070309020205020404" pitchFamily="49" charset="0"/>
-                <a:cs typeface="Courier New" panose="02070309020205020404" pitchFamily="49" charset="0"/>
-              </a:rPr>
-              <a:t>g + </a:t>
-            </a:r>
-            <a:r>
-              <a:rPr lang="en-US" dirty="0" err="1">
-                <a:latin typeface="Courier New" panose="02070309020205020404" pitchFamily="49" charset="0"/>
-                <a:cs typeface="Courier New" panose="02070309020205020404" pitchFamily="49" charset="0"/>
-              </a:rPr>
-              <a:t>geom_point</a:t>
-            </a:r>
-            <a:r>
-              <a:rPr lang="en-US" dirty="0">
-                <a:latin typeface="Courier New" panose="02070309020205020404" pitchFamily="49" charset="0"/>
-                <a:cs typeface="Courier New" panose="02070309020205020404" pitchFamily="49" charset="0"/>
-              </a:rPr>
-              <a:t>(alpha = 1/3) </a:t>
-            </a:r>
-          </a:p>
-          <a:p>
-            <a:r>
-              <a:rPr lang="en-US" dirty="0">
-                <a:latin typeface="Courier New" panose="02070309020205020404" pitchFamily="49" charset="0"/>
-                <a:cs typeface="Courier New" panose="02070309020205020404" pitchFamily="49" charset="0"/>
-              </a:rPr>
-              <a:t>  + </a:t>
-            </a:r>
-            <a:r>
-              <a:rPr lang="en-US" dirty="0" err="1">
-                <a:latin typeface="Courier New" panose="02070309020205020404" pitchFamily="49" charset="0"/>
-                <a:cs typeface="Courier New" panose="02070309020205020404" pitchFamily="49" charset="0"/>
-              </a:rPr>
-              <a:t>facet_wrap</a:t>
-            </a:r>
-            <a:r>
-              <a:rPr lang="en-US" dirty="0">
-                <a:latin typeface="Courier New" panose="02070309020205020404" pitchFamily="49" charset="0"/>
-                <a:cs typeface="Courier New" panose="02070309020205020404" pitchFamily="49" charset="0"/>
-              </a:rPr>
-              <a:t>(</a:t>
-            </a:r>
-            <a:r>
-              <a:rPr lang="en-US" dirty="0" err="1">
-                <a:latin typeface="Courier New" panose="02070309020205020404" pitchFamily="49" charset="0"/>
-                <a:cs typeface="Courier New" panose="02070309020205020404" pitchFamily="49" charset="0"/>
-              </a:rPr>
-              <a:t>bmicat</a:t>
-            </a:r>
-            <a:r>
-              <a:rPr lang="en-US" dirty="0">
-                <a:latin typeface="Courier New" panose="02070309020205020404" pitchFamily="49" charset="0"/>
-                <a:cs typeface="Courier New" panose="02070309020205020404" pitchFamily="49" charset="0"/>
-              </a:rPr>
-              <a:t> ~ </a:t>
-            </a:r>
-            <a:r>
-              <a:rPr lang="en-US" dirty="0" err="1">
-                <a:latin typeface="Courier New" panose="02070309020205020404" pitchFamily="49" charset="0"/>
-                <a:cs typeface="Courier New" panose="02070309020205020404" pitchFamily="49" charset="0"/>
-              </a:rPr>
-              <a:t>no2dec</a:t>
-            </a:r>
-            <a:r>
-              <a:rPr lang="en-US" dirty="0">
-                <a:latin typeface="Courier New" panose="02070309020205020404" pitchFamily="49" charset="0"/>
-                <a:cs typeface="Courier New" panose="02070309020205020404" pitchFamily="49" charset="0"/>
-              </a:rPr>
-              <a:t>, </a:t>
-            </a:r>
-            <a:r>
-              <a:rPr lang="en-US" dirty="0" err="1">
-                <a:latin typeface="Courier New" panose="02070309020205020404" pitchFamily="49" charset="0"/>
-                <a:cs typeface="Courier New" panose="02070309020205020404" pitchFamily="49" charset="0"/>
-              </a:rPr>
-              <a:t>nrow</a:t>
-            </a:r>
-            <a:r>
-              <a:rPr lang="en-US" dirty="0">
-                <a:latin typeface="Courier New" panose="02070309020205020404" pitchFamily="49" charset="0"/>
-                <a:cs typeface="Courier New" panose="02070309020205020404" pitchFamily="49" charset="0"/>
-              </a:rPr>
-              <a:t> = 2, </a:t>
-            </a:r>
-            <a:r>
-              <a:rPr lang="en-US" dirty="0" err="1">
-                <a:latin typeface="Courier New" panose="02070309020205020404" pitchFamily="49" charset="0"/>
-                <a:cs typeface="Courier New" panose="02070309020205020404" pitchFamily="49" charset="0"/>
-              </a:rPr>
-              <a:t>ncol</a:t>
-            </a:r>
-            <a:r>
-              <a:rPr lang="en-US" dirty="0">
-                <a:latin typeface="Courier New" panose="02070309020205020404" pitchFamily="49" charset="0"/>
-                <a:cs typeface="Courier New" panose="02070309020205020404" pitchFamily="49" charset="0"/>
-              </a:rPr>
-              <a:t> = 4) </a:t>
-            </a:r>
-          </a:p>
-          <a:p>
-            <a:r>
-              <a:rPr lang="en-US" dirty="0">
-                <a:latin typeface="Courier New" panose="02070309020205020404" pitchFamily="49" charset="0"/>
-                <a:cs typeface="Courier New" panose="02070309020205020404" pitchFamily="49" charset="0"/>
-              </a:rPr>
-              <a:t>  + </a:t>
-            </a:r>
-            <a:r>
-              <a:rPr lang="en-US" dirty="0" err="1">
-                <a:latin typeface="Courier New" panose="02070309020205020404" pitchFamily="49" charset="0"/>
-                <a:cs typeface="Courier New" panose="02070309020205020404" pitchFamily="49" charset="0"/>
-              </a:rPr>
-              <a:t>geom_smooth</a:t>
-            </a:r>
-            <a:r>
-              <a:rPr lang="en-US" dirty="0">
-                <a:latin typeface="Courier New" panose="02070309020205020404" pitchFamily="49" charset="0"/>
-                <a:cs typeface="Courier New" panose="02070309020205020404" pitchFamily="49" charset="0"/>
-              </a:rPr>
-              <a:t>(method="lm", se=FALSE, col="</a:t>
-            </a:r>
-            <a:r>
-              <a:rPr lang="en-US" dirty="0" err="1">
-                <a:latin typeface="Courier New" panose="02070309020205020404" pitchFamily="49" charset="0"/>
-                <a:cs typeface="Courier New" panose="02070309020205020404" pitchFamily="49" charset="0"/>
-              </a:rPr>
-              <a:t>steelblue</a:t>
-            </a:r>
-            <a:r>
-              <a:rPr lang="en-US" dirty="0">
-                <a:latin typeface="Courier New" panose="02070309020205020404" pitchFamily="49" charset="0"/>
-                <a:cs typeface="Courier New" panose="02070309020205020404" pitchFamily="49" charset="0"/>
-              </a:rPr>
-              <a:t>")      </a:t>
-            </a:r>
-          </a:p>
-          <a:p>
-            <a:r>
-              <a:rPr lang="en-US" dirty="0">
-                <a:latin typeface="Courier New" panose="02070309020205020404" pitchFamily="49" charset="0"/>
-                <a:cs typeface="Courier New" panose="02070309020205020404" pitchFamily="49" charset="0"/>
-              </a:rPr>
-              <a:t>  + </a:t>
-            </a:r>
-            <a:r>
-              <a:rPr lang="en-US" dirty="0" err="1">
-                <a:latin typeface="Courier New" panose="02070309020205020404" pitchFamily="49" charset="0"/>
-                <a:cs typeface="Courier New" panose="02070309020205020404" pitchFamily="49" charset="0"/>
-              </a:rPr>
-              <a:t>theme_bw</a:t>
-            </a:r>
-            <a:r>
-              <a:rPr lang="en-US" dirty="0">
-                <a:latin typeface="Courier New" panose="02070309020205020404" pitchFamily="49" charset="0"/>
-                <a:cs typeface="Courier New" panose="02070309020205020404" pitchFamily="49" charset="0"/>
-              </a:rPr>
-              <a:t>(</a:t>
-            </a:r>
-            <a:r>
-              <a:rPr lang="en-US" dirty="0" err="1">
-                <a:latin typeface="Courier New" panose="02070309020205020404" pitchFamily="49" charset="0"/>
-                <a:cs typeface="Courier New" panose="02070309020205020404" pitchFamily="49" charset="0"/>
-              </a:rPr>
-              <a:t>base_family</a:t>
-            </a:r>
-            <a:r>
-              <a:rPr lang="en-US" dirty="0">
-                <a:latin typeface="Courier New" panose="02070309020205020404" pitchFamily="49" charset="0"/>
-                <a:cs typeface="Courier New" panose="02070309020205020404" pitchFamily="49" charset="0"/>
-              </a:rPr>
-              <a:t> = "</a:t>
-            </a:r>
-            <a:r>
-              <a:rPr lang="en-US" dirty="0" err="1">
-                <a:latin typeface="Courier New" panose="02070309020205020404" pitchFamily="49" charset="0"/>
-                <a:cs typeface="Courier New" panose="02070309020205020404" pitchFamily="49" charset="0"/>
-              </a:rPr>
-              <a:t>Avenir</a:t>
-            </a:r>
-            <a:r>
-              <a:rPr lang="en-US" dirty="0">
-                <a:latin typeface="Courier New" panose="02070309020205020404" pitchFamily="49" charset="0"/>
-                <a:cs typeface="Courier New" panose="02070309020205020404" pitchFamily="49" charset="0"/>
-              </a:rPr>
-              <a:t>", </a:t>
-            </a:r>
-            <a:r>
-              <a:rPr lang="en-US" dirty="0" err="1">
-                <a:latin typeface="Courier New" panose="02070309020205020404" pitchFamily="49" charset="0"/>
-                <a:cs typeface="Courier New" panose="02070309020205020404" pitchFamily="49" charset="0"/>
-              </a:rPr>
-              <a:t>base_size</a:t>
-            </a:r>
-            <a:r>
-              <a:rPr lang="en-US" dirty="0">
-                <a:latin typeface="Courier New" panose="02070309020205020404" pitchFamily="49" charset="0"/>
-                <a:cs typeface="Courier New" panose="02070309020205020404" pitchFamily="49" charset="0"/>
-              </a:rPr>
-              <a:t> = 10) </a:t>
-            </a:r>
-          </a:p>
-          <a:p>
-            <a:r>
-              <a:rPr lang="en-US" dirty="0">
-                <a:latin typeface="Courier New" panose="02070309020205020404" pitchFamily="49" charset="0"/>
-                <a:cs typeface="Courier New" panose="02070309020205020404" pitchFamily="49" charset="0"/>
-              </a:rPr>
-              <a:t>  + labs(x = expression("log " * PM[2.5]) </a:t>
-            </a:r>
-          </a:p>
-          <a:p>
-            <a:r>
-              <a:rPr lang="en-US" dirty="0">
-                <a:latin typeface="Courier New" panose="02070309020205020404" pitchFamily="49" charset="0"/>
-                <a:cs typeface="Courier New" panose="02070309020205020404" pitchFamily="49" charset="0"/>
-              </a:rPr>
-              <a:t>  + labs(y = "Nocturnal Symptoms”) </a:t>
-            </a:r>
-          </a:p>
-          <a:p>
-            <a:r>
-              <a:rPr lang="en-US" dirty="0">
-                <a:latin typeface="Courier New" panose="02070309020205020404" pitchFamily="49" charset="0"/>
-                <a:cs typeface="Courier New" panose="02070309020205020404" pitchFamily="49" charset="0"/>
-              </a:rPr>
-              <a:t>  + labs(title = "MAACS Cohort”)</a:t>
-            </a:r>
-          </a:p>
-        </p:txBody>
-      </p:sp>
-      <p:sp>
-        <p:nvSpPr>
-          <p:cNvPr id="4" name="Rectangle 3"/>
-          <p:cNvSpPr/>
-          <p:nvPr/>
-        </p:nvSpPr>
-        <p:spPr>
-          <a:xfrm>
-            <a:off x="6113040" y="1183960"/>
-            <a:ext cx="1388349" cy="505874"/>
-          </a:xfrm>
-          <a:prstGeom prst="rect">
-            <a:avLst/>
-          </a:prstGeom>
-        </p:spPr>
-        <p:style>
-          <a:lnRef idx="1">
-            <a:schemeClr val="accent1"/>
-          </a:lnRef>
-          <a:fillRef idx="3">
-            <a:schemeClr val="accent1"/>
-          </a:fillRef>
-          <a:effectRef idx="2">
-            <a:schemeClr val="accent1"/>
-          </a:effectRef>
-          <a:fontRef idx="minor">
-            <a:schemeClr val="lt1"/>
-          </a:fontRef>
-        </p:style>
-        <p:txBody>
-          <a:bodyPr rtlCol="0" anchor="ctr"/>
-          <a:lstStyle/>
-          <a:p>
-            <a:pPr algn="ctr"/>
-            <a:r>
-              <a:rPr lang="en-US"/>
-              <a:t>Add points</a:t>
-            </a:r>
-          </a:p>
-        </p:txBody>
-      </p:sp>
-      <p:sp>
-        <p:nvSpPr>
-          <p:cNvPr id="5" name="Rectangle 4"/>
-          <p:cNvSpPr/>
-          <p:nvPr/>
-        </p:nvSpPr>
-        <p:spPr>
-          <a:xfrm>
-            <a:off x="7493319" y="1836853"/>
-            <a:ext cx="1608979" cy="505874"/>
-          </a:xfrm>
-          <a:prstGeom prst="rect">
-            <a:avLst/>
-          </a:prstGeom>
-        </p:spPr>
-        <p:style>
-          <a:lnRef idx="1">
-            <a:schemeClr val="accent1"/>
-          </a:lnRef>
-          <a:fillRef idx="3">
-            <a:schemeClr val="accent1"/>
-          </a:fillRef>
-          <a:effectRef idx="2">
-            <a:schemeClr val="accent1"/>
-          </a:effectRef>
-          <a:fontRef idx="minor">
-            <a:schemeClr val="lt1"/>
-          </a:fontRef>
-        </p:style>
-        <p:txBody>
-          <a:bodyPr rtlCol="0" anchor="ctr"/>
-          <a:lstStyle/>
-          <a:p>
-            <a:pPr algn="ctr"/>
-            <a:r>
-              <a:rPr lang="en-US"/>
-              <a:t>Add smoother</a:t>
-            </a:r>
-          </a:p>
-        </p:txBody>
-      </p:sp>
-      <p:sp>
-        <p:nvSpPr>
-          <p:cNvPr id="6" name="Rectangle 5"/>
-          <p:cNvSpPr/>
-          <p:nvPr/>
-        </p:nvSpPr>
-        <p:spPr>
-          <a:xfrm>
-            <a:off x="7433156" y="3781339"/>
-            <a:ext cx="1608979" cy="505874"/>
-          </a:xfrm>
-          <a:prstGeom prst="rect">
-            <a:avLst/>
-          </a:prstGeom>
-        </p:spPr>
-        <p:style>
-          <a:lnRef idx="1">
-            <a:schemeClr val="accent1"/>
-          </a:lnRef>
-          <a:fillRef idx="3">
-            <a:schemeClr val="accent1"/>
-          </a:fillRef>
-          <a:effectRef idx="2">
-            <a:schemeClr val="accent1"/>
-          </a:effectRef>
-          <a:fontRef idx="minor">
-            <a:schemeClr val="lt1"/>
-          </a:fontRef>
-        </p:style>
-        <p:txBody>
-          <a:bodyPr rtlCol="0" anchor="ctr"/>
-          <a:lstStyle/>
-          <a:p>
-            <a:pPr algn="ctr"/>
-            <a:r>
-              <a:rPr lang="en-US"/>
-              <a:t>Change theme</a:t>
-            </a:r>
-          </a:p>
-        </p:txBody>
-      </p:sp>
-      <p:sp>
-        <p:nvSpPr>
-          <p:cNvPr id="7" name="Rectangle 6"/>
-          <p:cNvSpPr/>
-          <p:nvPr/>
-        </p:nvSpPr>
-        <p:spPr>
-          <a:xfrm>
-            <a:off x="7077828" y="4503208"/>
-            <a:ext cx="1219985" cy="505874"/>
-          </a:xfrm>
-          <a:prstGeom prst="rect">
-            <a:avLst/>
-          </a:prstGeom>
-        </p:spPr>
-        <p:style>
-          <a:lnRef idx="1">
-            <a:schemeClr val="accent1"/>
-          </a:lnRef>
-          <a:fillRef idx="3">
-            <a:schemeClr val="accent1"/>
-          </a:fillRef>
-          <a:effectRef idx="2">
-            <a:schemeClr val="accent1"/>
-          </a:effectRef>
-          <a:fontRef idx="minor">
-            <a:schemeClr val="lt1"/>
-          </a:fontRef>
-        </p:style>
-        <p:txBody>
-          <a:bodyPr rtlCol="0" anchor="ctr"/>
-          <a:lstStyle/>
-          <a:p>
-            <a:pPr algn="ctr"/>
-            <a:r>
-              <a:rPr lang="en-US"/>
-              <a:t>Add labels</a:t>
-            </a:r>
-          </a:p>
-        </p:txBody>
-      </p:sp>
-      <p:cxnSp>
-        <p:nvCxnSpPr>
-          <p:cNvPr id="9" name="Straight Arrow Connector 8"/>
-          <p:cNvCxnSpPr>
-            <a:stCxn id="4" idx="1"/>
-          </p:cNvCxnSpPr>
-          <p:nvPr/>
-        </p:nvCxnSpPr>
-        <p:spPr>
-          <a:xfrm flipH="1">
-            <a:off x="4509444" y="1436899"/>
-            <a:ext cx="1603596" cy="1038656"/>
-          </a:xfrm>
-          <a:prstGeom prst="straightConnector1">
-            <a:avLst/>
-          </a:prstGeom>
-          <a:ln>
-            <a:tailEnd type="arrow"/>
-          </a:ln>
-        </p:spPr>
-        <p:style>
-          <a:lnRef idx="2">
-            <a:schemeClr val="accent1"/>
-          </a:lnRef>
-          <a:fillRef idx="0">
-            <a:schemeClr val="accent1"/>
-          </a:fillRef>
-          <a:effectRef idx="1">
-            <a:schemeClr val="accent1"/>
-          </a:effectRef>
-          <a:fontRef idx="minor">
-            <a:schemeClr val="tx1"/>
-          </a:fontRef>
-        </p:style>
-      </p:cxnSp>
-      <p:cxnSp>
-        <p:nvCxnSpPr>
-          <p:cNvPr id="10" name="Straight Arrow Connector 9"/>
-          <p:cNvCxnSpPr>
-            <a:stCxn id="5" idx="2"/>
-          </p:cNvCxnSpPr>
-          <p:nvPr/>
-        </p:nvCxnSpPr>
-        <p:spPr>
-          <a:xfrm flipH="1">
-            <a:off x="7953416" y="2342730"/>
-            <a:ext cx="344397" cy="800149"/>
-          </a:xfrm>
-          <a:prstGeom prst="straightConnector1">
-            <a:avLst/>
-          </a:prstGeom>
-          <a:ln>
-            <a:tailEnd type="arrow"/>
-          </a:ln>
-        </p:spPr>
-        <p:style>
-          <a:lnRef idx="2">
-            <a:schemeClr val="accent1"/>
-          </a:lnRef>
-          <a:fillRef idx="0">
-            <a:schemeClr val="accent1"/>
-          </a:fillRef>
-          <a:effectRef idx="1">
-            <a:schemeClr val="accent1"/>
-          </a:effectRef>
-          <a:fontRef idx="minor">
-            <a:schemeClr val="tx1"/>
-          </a:fontRef>
-        </p:style>
-      </p:cxnSp>
-      <p:sp>
-        <p:nvSpPr>
-          <p:cNvPr id="15" name="Rectangle 14"/>
-          <p:cNvSpPr/>
-          <p:nvPr/>
-        </p:nvSpPr>
-        <p:spPr>
-          <a:xfrm>
-            <a:off x="6016182" y="2043070"/>
-            <a:ext cx="1358752" cy="505874"/>
-          </a:xfrm>
-          <a:prstGeom prst="rect">
-            <a:avLst/>
-          </a:prstGeom>
-        </p:spPr>
-        <p:style>
-          <a:lnRef idx="1">
-            <a:schemeClr val="accent1"/>
-          </a:lnRef>
-          <a:fillRef idx="3">
-            <a:schemeClr val="accent1"/>
-          </a:fillRef>
-          <a:effectRef idx="2">
-            <a:schemeClr val="accent1"/>
-          </a:effectRef>
-          <a:fontRef idx="minor">
-            <a:schemeClr val="lt1"/>
-          </a:fontRef>
-        </p:style>
-        <p:txBody>
-          <a:bodyPr rtlCol="0" anchor="ctr"/>
-          <a:lstStyle/>
-          <a:p>
-            <a:pPr algn="ctr"/>
-            <a:r>
-              <a:rPr lang="en-US"/>
-              <a:t>Make panels</a:t>
-            </a:r>
-          </a:p>
-        </p:txBody>
-      </p:sp>
-      <p:cxnSp>
-        <p:nvCxnSpPr>
-          <p:cNvPr id="16" name="Straight Arrow Connector 15"/>
-          <p:cNvCxnSpPr>
-            <a:stCxn id="15" idx="1"/>
-          </p:cNvCxnSpPr>
-          <p:nvPr/>
-        </p:nvCxnSpPr>
-        <p:spPr>
-          <a:xfrm flipH="1">
-            <a:off x="4778509" y="2296007"/>
-            <a:ext cx="1237679" cy="556263"/>
-          </a:xfrm>
-          <a:prstGeom prst="straightConnector1">
-            <a:avLst/>
-          </a:prstGeom>
-          <a:ln>
-            <a:tailEnd type="arrow"/>
-          </a:ln>
-        </p:spPr>
-        <p:style>
-          <a:lnRef idx="2">
-            <a:schemeClr val="accent1"/>
-          </a:lnRef>
-          <a:fillRef idx="0">
-            <a:schemeClr val="accent1"/>
-          </a:fillRef>
-          <a:effectRef idx="1">
-            <a:schemeClr val="accent1"/>
-          </a:effectRef>
-          <a:fontRef idx="minor">
-            <a:schemeClr val="tx1"/>
-          </a:fontRef>
-        </p:style>
-      </p:cxnSp>
-      <p:cxnSp>
-        <p:nvCxnSpPr>
-          <p:cNvPr id="19" name="Straight Arrow Connector 18"/>
-          <p:cNvCxnSpPr>
-            <a:stCxn id="6" idx="1"/>
-          </p:cNvCxnSpPr>
-          <p:nvPr/>
-        </p:nvCxnSpPr>
-        <p:spPr>
-          <a:xfrm flipH="1" flipV="1">
-            <a:off x="6898700" y="3616461"/>
-            <a:ext cx="534455" cy="417814"/>
-          </a:xfrm>
-          <a:prstGeom prst="straightConnector1">
-            <a:avLst/>
-          </a:prstGeom>
-          <a:ln>
-            <a:tailEnd type="arrow"/>
-          </a:ln>
-        </p:spPr>
-        <p:style>
-          <a:lnRef idx="2">
-            <a:schemeClr val="accent1"/>
-          </a:lnRef>
-          <a:fillRef idx="0">
-            <a:schemeClr val="accent1"/>
-          </a:fillRef>
-          <a:effectRef idx="1">
-            <a:schemeClr val="accent1"/>
-          </a:effectRef>
-          <a:fontRef idx="minor">
-            <a:schemeClr val="tx1"/>
-          </a:fontRef>
-        </p:style>
-      </p:cxnSp>
-      <p:cxnSp>
-        <p:nvCxnSpPr>
-          <p:cNvPr id="22" name="Straight Arrow Connector 21"/>
-          <p:cNvCxnSpPr>
-            <a:stCxn id="7" idx="1"/>
-          </p:cNvCxnSpPr>
-          <p:nvPr/>
-        </p:nvCxnSpPr>
-        <p:spPr>
-          <a:xfrm flipH="1" flipV="1">
-            <a:off x="5650263" y="4034276"/>
-            <a:ext cx="1427565" cy="721869"/>
-          </a:xfrm>
-          <a:prstGeom prst="straightConnector1">
-            <a:avLst/>
-          </a:prstGeom>
-          <a:ln>
-            <a:tailEnd type="arrow"/>
-          </a:ln>
-        </p:spPr>
-        <p:style>
-          <a:lnRef idx="2">
-            <a:schemeClr val="accent1"/>
-          </a:lnRef>
-          <a:fillRef idx="0">
-            <a:schemeClr val="accent1"/>
-          </a:fillRef>
-          <a:effectRef idx="1">
-            <a:schemeClr val="accent1"/>
-          </a:effectRef>
-          <a:fontRef idx="minor">
-            <a:schemeClr val="tx1"/>
-          </a:fontRef>
-        </p:style>
-      </p:cxnSp>
-    </p:spTree>
-    <p:extLst>
-      <p:ext uri="{BB962C8B-B14F-4D97-AF65-F5344CB8AC3E}">
-        <p14:creationId xmlns:p14="http://schemas.microsoft.com/office/powerpoint/2010/main" val="1190825395"/>
-      </p:ext>
-    </p:extLst>
-  </p:cSld>
-  <p:clrMapOvr>
-    <a:masterClrMapping/>
-  </p:clrMapOvr>
-  <p:timing>
-    <p:tnLst>
-      <p:par>
-        <p:cTn id="1" dur="indefinite" restart="never" nodeType="tmRoot"/>
-      </p:par>
-    </p:tnLst>
-  </p:timing>
-</p:sld>
-</file>
-
-<file path=ppt/slides/slide57.xml><?xml version="1.0" encoding="utf-8"?>
-<p:sld xmlns:a="http://schemas.openxmlformats.org/drawingml/2006/main" xmlns:r="http://schemas.openxmlformats.org/officeDocument/2006/relationships" xmlns:p="http://schemas.openxmlformats.org/presentationml/2006/main">
-  <p:cSld>
-    <p:spTree>
-      <p:nvGrpSpPr>
-        <p:cNvPr id="1" name=""/>
-        <p:cNvGrpSpPr/>
-        <p:nvPr/>
-      </p:nvGrpSpPr>
-      <p:grpSpPr>
-        <a:xfrm>
-          <a:off x="0" y="0"/>
-          <a:ext cx="0" cy="0"/>
-          <a:chOff x="0" y="0"/>
-          <a:chExt cx="0" cy="0"/>
-        </a:xfrm>
-      </p:grpSpPr>
-      <p:sp>
-        <p:nvSpPr>
-          <p:cNvPr id="2" name="Title 1"/>
-          <p:cNvSpPr>
-            <a:spLocks noGrp="1"/>
-          </p:cNvSpPr>
-          <p:nvPr>
-            <p:ph type="title"/>
-          </p:nvPr>
-        </p:nvSpPr>
-        <p:spPr/>
-        <p:txBody>
-          <a:bodyPr/>
-          <a:lstStyle/>
-          <a:p>
-            <a:r>
-              <a:rPr lang="en-US"/>
-              <a:t>Summary</a:t>
-            </a:r>
-          </a:p>
-        </p:txBody>
-      </p:sp>
-      <p:sp>
-        <p:nvSpPr>
-          <p:cNvPr id="3" name="Content Placeholder 2"/>
-          <p:cNvSpPr>
-            <a:spLocks noGrp="1"/>
-          </p:cNvSpPr>
-          <p:nvPr>
-            <p:ph idx="1"/>
-          </p:nvPr>
-        </p:nvSpPr>
-        <p:spPr/>
-        <p:txBody>
-          <a:bodyPr>
-            <a:normAutofit/>
-          </a:bodyPr>
-          <a:lstStyle/>
-          <a:p>
-            <a:r>
-              <a:rPr lang="en-US" dirty="0" err="1"/>
-              <a:t>ggplot2</a:t>
-            </a:r>
-            <a:r>
-              <a:rPr lang="en-US" dirty="0"/>
-              <a:t> is very powerful and flexible if you learn the “grammar” and the various elements that can be tuned/modified</a:t>
-            </a:r>
-          </a:p>
-          <a:p>
-            <a:r>
-              <a:rPr lang="en-US" dirty="0"/>
-              <a:t>Many more types of plots can be made; explore and mess around with the package </a:t>
-            </a:r>
-          </a:p>
-        </p:txBody>
-      </p:sp>
-    </p:spTree>
-    <p:extLst>
-      <p:ext uri="{BB962C8B-B14F-4D97-AF65-F5344CB8AC3E}">
-        <p14:creationId xmlns:p14="http://schemas.microsoft.com/office/powerpoint/2010/main" val="2268713650"/>
-      </p:ext>
-    </p:extLst>
-  </p:cSld>
-  <p:clrMapOvr>
-    <a:masterClrMapping/>
-  </p:clrMapOvr>
-  <p:timing>
-    <p:tnLst>
-      <p:par>
-        <p:cTn id="1" dur="indefinite" restart="never" nodeType="tmRoot"/>
-      </p:par>
-    </p:tnLst>
-  </p:timing>
-</p:sld>
-</file>
-
-<file path=ppt/slides/slide58.xml><?xml version="1.0" encoding="utf-8"?>
-<p:sld xmlns:a="http://schemas.openxmlformats.org/drawingml/2006/main" xmlns:r="http://schemas.openxmlformats.org/officeDocument/2006/relationships" xmlns:p="http://schemas.openxmlformats.org/presentationml/2006/main">
-  <p:cSld>
-    <p:spTree>
-      <p:nvGrpSpPr>
-        <p:cNvPr id="1" name=""/>
-        <p:cNvGrpSpPr/>
-        <p:nvPr/>
-      </p:nvGrpSpPr>
-      <p:grpSpPr>
-        <a:xfrm>
-          <a:off x="0" y="0"/>
-          <a:ext cx="0" cy="0"/>
-          <a:chOff x="0" y="0"/>
-          <a:chExt cx="0" cy="0"/>
-        </a:xfrm>
-      </p:grpSpPr>
-      <p:sp>
-        <p:nvSpPr>
-          <p:cNvPr id="2" name="Title 1"/>
-          <p:cNvSpPr>
-            <a:spLocks noGrp="1"/>
-          </p:cNvSpPr>
-          <p:nvPr>
-            <p:ph type="title"/>
-          </p:nvPr>
-        </p:nvSpPr>
-        <p:spPr/>
-        <p:txBody>
-          <a:bodyPr/>
-          <a:lstStyle/>
-          <a:p>
-            <a:r>
-              <a:rPr lang="en-US"/>
               <a:t>Resources</a:t>
             </a:r>
           </a:p>
@@ -16480,7 +14418,7 @@
 </p:sld>
 </file>
 
-<file path=ppt/slides/slide59.xml><?xml version="1.0" encoding="utf-8"?>
+<file path=ppt/slides/slide56.xml><?xml version="1.0" encoding="utf-8"?>
 <p:sld xmlns:a="http://schemas.openxmlformats.org/drawingml/2006/main" xmlns:r="http://schemas.openxmlformats.org/officeDocument/2006/relationships" xmlns:p="http://schemas.openxmlformats.org/presentationml/2006/main">
   <p:cSld>
     <p:spTree>
